--- a/docs/ppt/GEOG0113-010.pptx
+++ b/docs/ppt/GEOG0113-010.pptx
@@ -921,7 +921,7 @@
         </p:nvSpPr>
         <p:spPr>
           <a:xfrm>
-            <a:off x="1106487" y="812800"/>
+            <a:off x="1106488" y="812800"/>
             <a:ext cx="5343525" cy="4006850"/>
           </a:xfrm>
           <a:custGeom>
@@ -2153,7 +2153,7 @@
         </p:nvSpPr>
         <p:spPr>
           <a:xfrm>
-            <a:off x="1106487" y="812800"/>
+            <a:off x="1106488" y="812800"/>
             <a:ext cx="5343525" cy="4006850"/>
           </a:xfrm>
           <a:custGeom>
@@ -2348,7 +2348,7 @@
         </p:nvSpPr>
         <p:spPr>
           <a:xfrm>
-            <a:off x="1106487" y="812800"/>
+            <a:off x="1106488" y="812800"/>
             <a:ext cx="5343525" cy="4006850"/>
           </a:xfrm>
           <a:custGeom>
@@ -2543,7 +2543,7 @@
         </p:nvSpPr>
         <p:spPr>
           <a:xfrm>
-            <a:off x="1106487" y="812800"/>
+            <a:off x="1106488" y="812800"/>
             <a:ext cx="5343525" cy="4006850"/>
           </a:xfrm>
           <a:custGeom>
@@ -2996,8 +2996,8 @@
         </p:nvSpPr>
         <p:spPr>
           <a:xfrm>
-            <a:off x="1106487" y="812800"/>
-            <a:ext cx="5343600" cy="4006800"/>
+            <a:off x="1106488" y="812800"/>
+            <a:ext cx="5343525" cy="4006850"/>
           </a:xfrm>
           <a:custGeom>
             <a:avLst/>
@@ -3120,7 +3120,7 @@
         </p:nvSpPr>
         <p:spPr>
           <a:xfrm>
-            <a:off x="1106487" y="812800"/>
+            <a:off x="1106488" y="812800"/>
             <a:ext cx="5343525" cy="4006850"/>
           </a:xfrm>
           <a:custGeom>
@@ -9018,6 +9018,44 @@
           </a:p>
         </p:txBody>
       </p:sp>
+      <p:pic>
+        <p:nvPicPr>
+          <p:cNvPr id="2" name="Audio Recording 12 Jan 2021 at 14:05:55" descr="Audio Recording 12 Jan 2021 at 14:05:55">
+            <a:hlinkClick r:id="" action="ppaction://media"/>
+            <a:extLst>
+              <a:ext uri="{FF2B5EF4-FFF2-40B4-BE49-F238E27FC236}">
+                <a16:creationId xmlns:a16="http://schemas.microsoft.com/office/drawing/2014/main" id="{98B65FD3-2696-F140-8939-000CC8B7A492}"/>
+              </a:ext>
+            </a:extLst>
+          </p:cNvPr>
+          <p:cNvPicPr>
+            <a:picLocks noChangeAspect="1"/>
+          </p:cNvPicPr>
+          <p:nvPr>
+            <a:audioFile r:link="rId2"/>
+            <p:extLst>
+              <p:ext uri="{DAA4B4D4-6D71-4841-9C94-3DE7FCFB9230}">
+                <p14:media xmlns:p14="http://schemas.microsoft.com/office/powerpoint/2010/main" r:embed="rId1"/>
+              </p:ext>
+            </p:extLst>
+          </p:nvPr>
+        </p:nvPicPr>
+        <p:blipFill>
+          <a:blip r:embed="rId5"/>
+          <a:stretch>
+            <a:fillRect/>
+          </a:stretch>
+        </p:blipFill>
+        <p:spPr>
+          <a:xfrm>
+            <a:off x="4633913" y="3373438"/>
+            <a:ext cx="812800" cy="812800"/>
+          </a:xfrm>
+          <a:prstGeom prst="rect">
+            <a:avLst/>
+          </a:prstGeom>
+        </p:spPr>
+      </p:pic>
     </p:spTree>
   </p:cSld>
   <p:clrMapOvr>
@@ -9026,6 +9064,90 @@
   <p:transition spd="slow">
     <p:cut/>
   </p:transition>
+  <p:timing>
+    <p:tnLst>
+      <p:par>
+        <p:cTn id="1" dur="indefinite" restart="never" nodeType="tmRoot">
+          <p:childTnLst>
+            <p:seq concurrent="1" nextAc="seek">
+              <p:cTn id="2" dur="indefinite" nodeType="mainSeq">
+                <p:childTnLst>
+                  <p:par>
+                    <p:cTn id="3" fill="hold">
+                      <p:stCondLst>
+                        <p:cond delay="indefinite"/>
+                      </p:stCondLst>
+                      <p:childTnLst>
+                        <p:par>
+                          <p:cTn id="4" fill="hold">
+                            <p:stCondLst>
+                              <p:cond delay="0"/>
+                            </p:stCondLst>
+                            <p:childTnLst>
+                              <p:par>
+                                <p:cTn id="5" presetID="1" presetClass="mediacall" presetSubtype="0" fill="hold" nodeType="clickEffect">
+                                  <p:stCondLst>
+                                    <p:cond delay="0"/>
+                                  </p:stCondLst>
+                                  <p:childTnLst>
+                                    <p:cmd type="call" cmd="playFrom(0.0)">
+                                      <p:cBhvr>
+                                        <p:cTn id="6" dur="42688" fill="hold"/>
+                                        <p:tgtEl>
+                                          <p:spTgt spid="2"/>
+                                        </p:tgtEl>
+                                      </p:cBhvr>
+                                    </p:cmd>
+                                  </p:childTnLst>
+                                </p:cTn>
+                              </p:par>
+                            </p:childTnLst>
+                          </p:cTn>
+                        </p:par>
+                      </p:childTnLst>
+                    </p:cTn>
+                  </p:par>
+                </p:childTnLst>
+              </p:cTn>
+              <p:prevCondLst>
+                <p:cond evt="onPrev" delay="0">
+                  <p:tgtEl>
+                    <p:sldTgt/>
+                  </p:tgtEl>
+                </p:cond>
+              </p:prevCondLst>
+              <p:nextCondLst>
+                <p:cond evt="onNext" delay="0">
+                  <p:tgtEl>
+                    <p:sldTgt/>
+                  </p:tgtEl>
+                </p:cond>
+              </p:nextCondLst>
+            </p:seq>
+            <p:audio>
+              <p:cMediaNode vol="80000">
+                <p:cTn id="7" fill="hold" display="0">
+                  <p:stCondLst>
+                    <p:cond delay="indefinite"/>
+                  </p:stCondLst>
+                  <p:endCondLst>
+                    <p:cond evt="onStopAudio" delay="0">
+                      <p:tgtEl>
+                        <p:sldTgt/>
+                      </p:tgtEl>
+                    </p:cond>
+                  </p:endCondLst>
+                </p:cTn>
+                <p:tgtEl>
+                  <p:spTgt spid="2"/>
+                </p:tgtEl>
+              </p:cMediaNode>
+            </p:audio>
+          </p:childTnLst>
+        </p:cTn>
+      </p:par>
+    </p:tnLst>
+  </p:timing>
 </p:sld>
 </file>
 
@@ -9421,6 +9543,44 @@
           </a:p>
         </p:txBody>
       </p:sp>
+      <p:pic>
+        <p:nvPicPr>
+          <p:cNvPr id="2" name="Audio Recording 12 Jan 2021 at 14:18:52" descr="Audio Recording 12 Jan 2021 at 14:18:52">
+            <a:hlinkClick r:id="" action="ppaction://media"/>
+            <a:extLst>
+              <a:ext uri="{FF2B5EF4-FFF2-40B4-BE49-F238E27FC236}">
+                <a16:creationId xmlns:a16="http://schemas.microsoft.com/office/drawing/2014/main" id="{078B7B75-4A88-E547-8493-65EC8EC5F896}"/>
+              </a:ext>
+            </a:extLst>
+          </p:cNvPr>
+          <p:cNvPicPr>
+            <a:picLocks noChangeAspect="1"/>
+          </p:cNvPicPr>
+          <p:nvPr>
+            <a:audioFile r:link="rId2"/>
+            <p:extLst>
+              <p:ext uri="{DAA4B4D4-6D71-4841-9C94-3DE7FCFB9230}">
+                <p14:media xmlns:p14="http://schemas.microsoft.com/office/powerpoint/2010/main" r:embed="rId1"/>
+              </p:ext>
+            </p:extLst>
+          </p:nvPr>
+        </p:nvPicPr>
+        <p:blipFill>
+          <a:blip r:embed="rId5"/>
+          <a:stretch>
+            <a:fillRect/>
+          </a:stretch>
+        </p:blipFill>
+        <p:spPr>
+          <a:xfrm>
+            <a:off x="4633913" y="3373438"/>
+            <a:ext cx="812800" cy="812800"/>
+          </a:xfrm>
+          <a:prstGeom prst="rect">
+            <a:avLst/>
+          </a:prstGeom>
+        </p:spPr>
+      </p:pic>
     </p:spTree>
   </p:cSld>
   <p:clrMapOvr>
@@ -9429,6 +9589,90 @@
   <p:transition spd="slow">
     <p:cut/>
   </p:transition>
+  <p:timing>
+    <p:tnLst>
+      <p:par>
+        <p:cTn id="1" dur="indefinite" restart="never" nodeType="tmRoot">
+          <p:childTnLst>
+            <p:seq concurrent="1" nextAc="seek">
+              <p:cTn id="2" dur="indefinite" nodeType="mainSeq">
+                <p:childTnLst>
+                  <p:par>
+                    <p:cTn id="3" fill="hold">
+                      <p:stCondLst>
+                        <p:cond delay="indefinite"/>
+                      </p:stCondLst>
+                      <p:childTnLst>
+                        <p:par>
+                          <p:cTn id="4" fill="hold">
+                            <p:stCondLst>
+                              <p:cond delay="0"/>
+                            </p:stCondLst>
+                            <p:childTnLst>
+                              <p:par>
+                                <p:cTn id="5" presetID="1" presetClass="mediacall" presetSubtype="0" fill="hold" nodeType="clickEffect">
+                                  <p:stCondLst>
+                                    <p:cond delay="0"/>
+                                  </p:stCondLst>
+                                  <p:childTnLst>
+                                    <p:cmd type="call" cmd="playFrom(0.0)">
+                                      <p:cBhvr>
+                                        <p:cTn id="6" dur="33664" fill="hold"/>
+                                        <p:tgtEl>
+                                          <p:spTgt spid="2"/>
+                                        </p:tgtEl>
+                                      </p:cBhvr>
+                                    </p:cmd>
+                                  </p:childTnLst>
+                                </p:cTn>
+                              </p:par>
+                            </p:childTnLst>
+                          </p:cTn>
+                        </p:par>
+                      </p:childTnLst>
+                    </p:cTn>
+                  </p:par>
+                </p:childTnLst>
+              </p:cTn>
+              <p:prevCondLst>
+                <p:cond evt="onPrev" delay="0">
+                  <p:tgtEl>
+                    <p:sldTgt/>
+                  </p:tgtEl>
+                </p:cond>
+              </p:prevCondLst>
+              <p:nextCondLst>
+                <p:cond evt="onNext" delay="0">
+                  <p:tgtEl>
+                    <p:sldTgt/>
+                  </p:tgtEl>
+                </p:cond>
+              </p:nextCondLst>
+            </p:seq>
+            <p:audio>
+              <p:cMediaNode vol="80000">
+                <p:cTn id="7" fill="hold" display="0">
+                  <p:stCondLst>
+                    <p:cond delay="indefinite"/>
+                  </p:stCondLst>
+                  <p:endCondLst>
+                    <p:cond evt="onStopAudio" delay="0">
+                      <p:tgtEl>
+                        <p:sldTgt/>
+                      </p:tgtEl>
+                    </p:cond>
+                  </p:endCondLst>
+                </p:cTn>
+                <p:tgtEl>
+                  <p:spTgt spid="2"/>
+                </p:tgtEl>
+              </p:cMediaNode>
+            </p:audio>
+          </p:childTnLst>
+        </p:cTn>
+      </p:par>
+    </p:tnLst>
+  </p:timing>
 </p:sld>
 </file>
 
@@ -9599,7 +9843,7 @@
             </a:r>
             <a:r>
               <a:rPr lang="en-GB" dirty="0">
-                <a:hlinkClick r:id="rId3"/>
+                <a:hlinkClick r:id="rId5"/>
               </a:rPr>
               <a:t>download</a:t>
             </a:r>
@@ -9685,7 +9929,7 @@
             </a:r>
             <a:r>
               <a:rPr lang="en-GB" dirty="0">
-                <a:hlinkClick r:id="rId4"/>
+                <a:hlinkClick r:id="rId6"/>
               </a:rPr>
               <a:t>available online</a:t>
             </a:r>
@@ -9707,7 +9951,7 @@
             </a:r>
             <a:r>
               <a:rPr lang="en-GB" dirty="0">
-                <a:hlinkClick r:id="rId5"/>
+                <a:hlinkClick r:id="rId7"/>
               </a:rPr>
               <a:t>The interpretation of variations in leaf water potential and stomatal conductance found in canopies in the field</a:t>
             </a:r>
@@ -9739,6 +9983,44 @@
           </a:p>
         </p:txBody>
       </p:sp>
+      <p:pic>
+        <p:nvPicPr>
+          <p:cNvPr id="2" name="Audio Recording 12 Jan 2021 at 14:19:29" descr="Audio Recording 12 Jan 2021 at 14:19:29">
+            <a:hlinkClick r:id="" action="ppaction://media"/>
+            <a:extLst>
+              <a:ext uri="{FF2B5EF4-FFF2-40B4-BE49-F238E27FC236}">
+                <a16:creationId xmlns:a16="http://schemas.microsoft.com/office/drawing/2014/main" id="{8AE7BEBB-BDAD-1641-8275-C3F3BC25A5A7}"/>
+              </a:ext>
+            </a:extLst>
+          </p:cNvPr>
+          <p:cNvPicPr>
+            <a:picLocks noChangeAspect="1"/>
+          </p:cNvPicPr>
+          <p:nvPr>
+            <a:audioFile r:link="rId2"/>
+            <p:extLst>
+              <p:ext uri="{DAA4B4D4-6D71-4841-9C94-3DE7FCFB9230}">
+                <p14:media xmlns:p14="http://schemas.microsoft.com/office/powerpoint/2010/main" r:embed="rId1"/>
+              </p:ext>
+            </p:extLst>
+          </p:nvPr>
+        </p:nvPicPr>
+        <p:blipFill>
+          <a:blip r:embed="rId8"/>
+          <a:stretch>
+            <a:fillRect/>
+          </a:stretch>
+        </p:blipFill>
+        <p:spPr>
+          <a:xfrm>
+            <a:off x="4633913" y="3373438"/>
+            <a:ext cx="812800" cy="812800"/>
+          </a:xfrm>
+          <a:prstGeom prst="rect">
+            <a:avLst/>
+          </a:prstGeom>
+        </p:spPr>
+      </p:pic>
     </p:spTree>
   </p:cSld>
   <p:clrMapOvr>
@@ -9747,6 +10029,90 @@
   <p:transition spd="slow">
     <p:cut/>
   </p:transition>
+  <p:timing>
+    <p:tnLst>
+      <p:par>
+        <p:cTn id="1" dur="indefinite" restart="never" nodeType="tmRoot">
+          <p:childTnLst>
+            <p:seq concurrent="1" nextAc="seek">
+              <p:cTn id="2" dur="indefinite" nodeType="mainSeq">
+                <p:childTnLst>
+                  <p:par>
+                    <p:cTn id="3" fill="hold">
+                      <p:stCondLst>
+                        <p:cond delay="indefinite"/>
+                      </p:stCondLst>
+                      <p:childTnLst>
+                        <p:par>
+                          <p:cTn id="4" fill="hold">
+                            <p:stCondLst>
+                              <p:cond delay="0"/>
+                            </p:stCondLst>
+                            <p:childTnLst>
+                              <p:par>
+                                <p:cTn id="5" presetID="1" presetClass="mediacall" presetSubtype="0" fill="hold" nodeType="clickEffect">
+                                  <p:stCondLst>
+                                    <p:cond delay="0"/>
+                                  </p:stCondLst>
+                                  <p:childTnLst>
+                                    <p:cmd type="call" cmd="playFrom(0.0)">
+                                      <p:cBhvr>
+                                        <p:cTn id="6" dur="31680" fill="hold"/>
+                                        <p:tgtEl>
+                                          <p:spTgt spid="2"/>
+                                        </p:tgtEl>
+                                      </p:cBhvr>
+                                    </p:cmd>
+                                  </p:childTnLst>
+                                </p:cTn>
+                              </p:par>
+                            </p:childTnLst>
+                          </p:cTn>
+                        </p:par>
+                      </p:childTnLst>
+                    </p:cTn>
+                  </p:par>
+                </p:childTnLst>
+              </p:cTn>
+              <p:prevCondLst>
+                <p:cond evt="onPrev" delay="0">
+                  <p:tgtEl>
+                    <p:sldTgt/>
+                  </p:tgtEl>
+                </p:cond>
+              </p:prevCondLst>
+              <p:nextCondLst>
+                <p:cond evt="onNext" delay="0">
+                  <p:tgtEl>
+                    <p:sldTgt/>
+                  </p:tgtEl>
+                </p:cond>
+              </p:nextCondLst>
+            </p:seq>
+            <p:audio>
+              <p:cMediaNode vol="80000">
+                <p:cTn id="7" fill="hold" display="0">
+                  <p:stCondLst>
+                    <p:cond delay="indefinite"/>
+                  </p:stCondLst>
+                  <p:endCondLst>
+                    <p:cond evt="onStopAudio" delay="0">
+                      <p:tgtEl>
+                        <p:sldTgt/>
+                      </p:tgtEl>
+                    </p:cond>
+                  </p:endCondLst>
+                </p:cTn>
+                <p:tgtEl>
+                  <p:spTgt spid="2"/>
+                </p:tgtEl>
+              </p:cMediaNode>
+            </p:audio>
+          </p:childTnLst>
+        </p:cTn>
+      </p:par>
+    </p:tnLst>
+  </p:timing>
 </p:sld>
 </file>
 
@@ -10108,6 +10474,44 @@
           </a:p>
         </p:txBody>
       </p:sp>
+      <p:pic>
+        <p:nvPicPr>
+          <p:cNvPr id="2" name="Audio Recording 12 Jan 2021 at 14:06:15" descr="Audio Recording 12 Jan 2021 at 14:06:15">
+            <a:hlinkClick r:id="" action="ppaction://media"/>
+            <a:extLst>
+              <a:ext uri="{FF2B5EF4-FFF2-40B4-BE49-F238E27FC236}">
+                <a16:creationId xmlns:a16="http://schemas.microsoft.com/office/drawing/2014/main" id="{AAE0237F-C143-A441-A9F1-07E1C7B4131E}"/>
+              </a:ext>
+            </a:extLst>
+          </p:cNvPr>
+          <p:cNvPicPr>
+            <a:picLocks noChangeAspect="1"/>
+          </p:cNvPicPr>
+          <p:nvPr>
+            <a:audioFile r:link="rId2"/>
+            <p:extLst>
+              <p:ext uri="{DAA4B4D4-6D71-4841-9C94-3DE7FCFB9230}">
+                <p14:media xmlns:p14="http://schemas.microsoft.com/office/powerpoint/2010/main" r:embed="rId1"/>
+              </p:ext>
+            </p:extLst>
+          </p:nvPr>
+        </p:nvPicPr>
+        <p:blipFill>
+          <a:blip r:embed="rId5"/>
+          <a:stretch>
+            <a:fillRect/>
+          </a:stretch>
+        </p:blipFill>
+        <p:spPr>
+          <a:xfrm>
+            <a:off x="4633913" y="3373438"/>
+            <a:ext cx="812800" cy="812800"/>
+          </a:xfrm>
+          <a:prstGeom prst="rect">
+            <a:avLst/>
+          </a:prstGeom>
+        </p:spPr>
+      </p:pic>
     </p:spTree>
   </p:cSld>
   <p:clrMapOvr>
@@ -10116,6 +10520,90 @@
   <p:transition spd="slow">
     <p:cut/>
   </p:transition>
+  <p:timing>
+    <p:tnLst>
+      <p:par>
+        <p:cTn id="1" dur="indefinite" restart="never" nodeType="tmRoot">
+          <p:childTnLst>
+            <p:seq concurrent="1" nextAc="seek">
+              <p:cTn id="2" dur="indefinite" nodeType="mainSeq">
+                <p:childTnLst>
+                  <p:par>
+                    <p:cTn id="3" fill="hold">
+                      <p:stCondLst>
+                        <p:cond delay="indefinite"/>
+                      </p:stCondLst>
+                      <p:childTnLst>
+                        <p:par>
+                          <p:cTn id="4" fill="hold">
+                            <p:stCondLst>
+                              <p:cond delay="0"/>
+                            </p:stCondLst>
+                            <p:childTnLst>
+                              <p:par>
+                                <p:cTn id="5" presetID="1" presetClass="mediacall" presetSubtype="0" fill="hold" nodeType="clickEffect">
+                                  <p:stCondLst>
+                                    <p:cond delay="0"/>
+                                  </p:stCondLst>
+                                  <p:childTnLst>
+                                    <p:cmd type="call" cmd="playFrom(0.0)">
+                                      <p:cBhvr>
+                                        <p:cTn id="6" dur="10880" fill="hold"/>
+                                        <p:tgtEl>
+                                          <p:spTgt spid="2"/>
+                                        </p:tgtEl>
+                                      </p:cBhvr>
+                                    </p:cmd>
+                                  </p:childTnLst>
+                                </p:cTn>
+                              </p:par>
+                            </p:childTnLst>
+                          </p:cTn>
+                        </p:par>
+                      </p:childTnLst>
+                    </p:cTn>
+                  </p:par>
+                </p:childTnLst>
+              </p:cTn>
+              <p:prevCondLst>
+                <p:cond evt="onPrev" delay="0">
+                  <p:tgtEl>
+                    <p:sldTgt/>
+                  </p:tgtEl>
+                </p:cond>
+              </p:prevCondLst>
+              <p:nextCondLst>
+                <p:cond evt="onNext" delay="0">
+                  <p:tgtEl>
+                    <p:sldTgt/>
+                  </p:tgtEl>
+                </p:cond>
+              </p:nextCondLst>
+            </p:seq>
+            <p:audio>
+              <p:cMediaNode vol="80000">
+                <p:cTn id="7" fill="hold" display="0">
+                  <p:stCondLst>
+                    <p:cond delay="indefinite"/>
+                  </p:stCondLst>
+                  <p:endCondLst>
+                    <p:cond evt="onStopAudio" delay="0">
+                      <p:tgtEl>
+                        <p:sldTgt/>
+                      </p:tgtEl>
+                    </p:cond>
+                  </p:endCondLst>
+                </p:cTn>
+                <p:tgtEl>
+                  <p:spTgt spid="2"/>
+                </p:tgtEl>
+              </p:cMediaNode>
+            </p:audio>
+          </p:childTnLst>
+        </p:cTn>
+      </p:par>
+    </p:tnLst>
+  </p:timing>
 </p:sld>
 </file>
 
@@ -10259,7 +10747,7 @@
           <p:nvPr/>
         </p:nvPicPr>
         <p:blipFill>
-          <a:blip r:embed="rId3"/>
+          <a:blip r:embed="rId5"/>
           <a:stretch>
             <a:fillRect/>
           </a:stretch>
@@ -10506,6 +10994,44 @@
           </a:p>
         </p:txBody>
       </p:sp>
+      <p:pic>
+        <p:nvPicPr>
+          <p:cNvPr id="3" name="Audio Recording 12 Jan 2021 at 14:11:36" descr="Audio Recording 12 Jan 2021 at 14:11:36">
+            <a:hlinkClick r:id="" action="ppaction://media"/>
+            <a:extLst>
+              <a:ext uri="{FF2B5EF4-FFF2-40B4-BE49-F238E27FC236}">
+                <a16:creationId xmlns:a16="http://schemas.microsoft.com/office/drawing/2014/main" id="{E63C43B7-70E0-BC43-9205-4F94413A5141}"/>
+              </a:ext>
+            </a:extLst>
+          </p:cNvPr>
+          <p:cNvPicPr>
+            <a:picLocks noChangeAspect="1"/>
+          </p:cNvPicPr>
+          <p:nvPr>
+            <a:audioFile r:link="rId2"/>
+            <p:extLst>
+              <p:ext uri="{DAA4B4D4-6D71-4841-9C94-3DE7FCFB9230}">
+                <p14:media xmlns:p14="http://schemas.microsoft.com/office/powerpoint/2010/main" r:embed="rId1"/>
+              </p:ext>
+            </p:extLst>
+          </p:nvPr>
+        </p:nvPicPr>
+        <p:blipFill>
+          <a:blip r:embed="rId6"/>
+          <a:stretch>
+            <a:fillRect/>
+          </a:stretch>
+        </p:blipFill>
+        <p:spPr>
+          <a:xfrm>
+            <a:off x="4633913" y="3373438"/>
+            <a:ext cx="812800" cy="812800"/>
+          </a:xfrm>
+          <a:prstGeom prst="rect">
+            <a:avLst/>
+          </a:prstGeom>
+        </p:spPr>
+      </p:pic>
     </p:spTree>
   </p:cSld>
   <p:clrMapOvr>
@@ -10514,6 +11040,90 @@
   <p:transition spd="slow">
     <p:cut/>
   </p:transition>
+  <p:timing>
+    <p:tnLst>
+      <p:par>
+        <p:cTn id="1" dur="indefinite" restart="never" nodeType="tmRoot">
+          <p:childTnLst>
+            <p:seq concurrent="1" nextAc="seek">
+              <p:cTn id="2" dur="indefinite" nodeType="mainSeq">
+                <p:childTnLst>
+                  <p:par>
+                    <p:cTn id="3" fill="hold">
+                      <p:stCondLst>
+                        <p:cond delay="indefinite"/>
+                      </p:stCondLst>
+                      <p:childTnLst>
+                        <p:par>
+                          <p:cTn id="4" fill="hold">
+                            <p:stCondLst>
+                              <p:cond delay="0"/>
+                            </p:stCondLst>
+                            <p:childTnLst>
+                              <p:par>
+                                <p:cTn id="5" presetID="1" presetClass="mediacall" presetSubtype="0" fill="hold" nodeType="clickEffect">
+                                  <p:stCondLst>
+                                    <p:cond delay="0"/>
+                                  </p:stCondLst>
+                                  <p:childTnLst>
+                                    <p:cmd type="call" cmd="playFrom(0.0)">
+                                      <p:cBhvr>
+                                        <p:cTn id="6" dur="242624" fill="hold"/>
+                                        <p:tgtEl>
+                                          <p:spTgt spid="3"/>
+                                        </p:tgtEl>
+                                      </p:cBhvr>
+                                    </p:cmd>
+                                  </p:childTnLst>
+                                </p:cTn>
+                              </p:par>
+                            </p:childTnLst>
+                          </p:cTn>
+                        </p:par>
+                      </p:childTnLst>
+                    </p:cTn>
+                  </p:par>
+                </p:childTnLst>
+              </p:cTn>
+              <p:prevCondLst>
+                <p:cond evt="onPrev" delay="0">
+                  <p:tgtEl>
+                    <p:sldTgt/>
+                  </p:tgtEl>
+                </p:cond>
+              </p:prevCondLst>
+              <p:nextCondLst>
+                <p:cond evt="onNext" delay="0">
+                  <p:tgtEl>
+                    <p:sldTgt/>
+                  </p:tgtEl>
+                </p:cond>
+              </p:nextCondLst>
+            </p:seq>
+            <p:audio>
+              <p:cMediaNode vol="80000">
+                <p:cTn id="7" fill="hold" display="0">
+                  <p:stCondLst>
+                    <p:cond delay="indefinite"/>
+                  </p:stCondLst>
+                  <p:endCondLst>
+                    <p:cond evt="onStopAudio" delay="0">
+                      <p:tgtEl>
+                        <p:sldTgt/>
+                      </p:tgtEl>
+                    </p:cond>
+                  </p:endCondLst>
+                </p:cTn>
+                <p:tgtEl>
+                  <p:spTgt spid="3"/>
+                </p:tgtEl>
+              </p:cMediaNode>
+            </p:audio>
+          </p:childTnLst>
+        </p:cTn>
+      </p:par>
+    </p:tnLst>
+  </p:timing>
 </p:sld>
 </file>
 
@@ -10576,7 +11186,7 @@
           <p:nvPr/>
         </p:nvPicPr>
         <p:blipFill>
-          <a:blip r:embed="rId3"/>
+          <a:blip r:embed="rId5"/>
           <a:stretch>
             <a:fillRect/>
           </a:stretch>
@@ -10630,6 +11240,44 @@
           </a:p>
         </p:txBody>
       </p:sp>
+      <p:pic>
+        <p:nvPicPr>
+          <p:cNvPr id="2" name="Audio Recording 12 Jan 2021 at 14:12:36" descr="Audio Recording 12 Jan 2021 at 14:12:36">
+            <a:hlinkClick r:id="" action="ppaction://media"/>
+            <a:extLst>
+              <a:ext uri="{FF2B5EF4-FFF2-40B4-BE49-F238E27FC236}">
+                <a16:creationId xmlns:a16="http://schemas.microsoft.com/office/drawing/2014/main" id="{4B143635-CED8-A645-93F0-3EA41F10B72C}"/>
+              </a:ext>
+            </a:extLst>
+          </p:cNvPr>
+          <p:cNvPicPr>
+            <a:picLocks noChangeAspect="1"/>
+          </p:cNvPicPr>
+          <p:nvPr>
+            <a:audioFile r:link="rId2"/>
+            <p:extLst>
+              <p:ext uri="{DAA4B4D4-6D71-4841-9C94-3DE7FCFB9230}">
+                <p14:media xmlns:p14="http://schemas.microsoft.com/office/powerpoint/2010/main" r:embed="rId1"/>
+              </p:ext>
+            </p:extLst>
+          </p:nvPr>
+        </p:nvPicPr>
+        <p:blipFill>
+          <a:blip r:embed="rId6"/>
+          <a:stretch>
+            <a:fillRect/>
+          </a:stretch>
+        </p:blipFill>
+        <p:spPr>
+          <a:xfrm>
+            <a:off x="4633913" y="3373438"/>
+            <a:ext cx="812800" cy="812800"/>
+          </a:xfrm>
+          <a:prstGeom prst="rect">
+            <a:avLst/>
+          </a:prstGeom>
+        </p:spPr>
+      </p:pic>
     </p:spTree>
   </p:cSld>
   <p:clrMapOvr>
@@ -10638,6 +11286,90 @@
   <p:transition spd="slow">
     <p:cut/>
   </p:transition>
+  <p:timing>
+    <p:tnLst>
+      <p:par>
+        <p:cTn id="1" dur="indefinite" restart="never" nodeType="tmRoot">
+          <p:childTnLst>
+            <p:seq concurrent="1" nextAc="seek">
+              <p:cTn id="2" dur="indefinite" nodeType="mainSeq">
+                <p:childTnLst>
+                  <p:par>
+                    <p:cTn id="3" fill="hold">
+                      <p:stCondLst>
+                        <p:cond delay="indefinite"/>
+                      </p:stCondLst>
+                      <p:childTnLst>
+                        <p:par>
+                          <p:cTn id="4" fill="hold">
+                            <p:stCondLst>
+                              <p:cond delay="0"/>
+                            </p:stCondLst>
+                            <p:childTnLst>
+                              <p:par>
+                                <p:cTn id="5" presetID="1" presetClass="mediacall" presetSubtype="0" fill="hold" nodeType="clickEffect">
+                                  <p:stCondLst>
+                                    <p:cond delay="0"/>
+                                  </p:stCondLst>
+                                  <p:childTnLst>
+                                    <p:cmd type="call" cmd="playFrom(0.0)">
+                                      <p:cBhvr>
+                                        <p:cTn id="6" dur="50816" fill="hold"/>
+                                        <p:tgtEl>
+                                          <p:spTgt spid="2"/>
+                                        </p:tgtEl>
+                                      </p:cBhvr>
+                                    </p:cmd>
+                                  </p:childTnLst>
+                                </p:cTn>
+                              </p:par>
+                            </p:childTnLst>
+                          </p:cTn>
+                        </p:par>
+                      </p:childTnLst>
+                    </p:cTn>
+                  </p:par>
+                </p:childTnLst>
+              </p:cTn>
+              <p:prevCondLst>
+                <p:cond evt="onPrev" delay="0">
+                  <p:tgtEl>
+                    <p:sldTgt/>
+                  </p:tgtEl>
+                </p:cond>
+              </p:prevCondLst>
+              <p:nextCondLst>
+                <p:cond evt="onNext" delay="0">
+                  <p:tgtEl>
+                    <p:sldTgt/>
+                  </p:tgtEl>
+                </p:cond>
+              </p:nextCondLst>
+            </p:seq>
+            <p:audio>
+              <p:cMediaNode vol="80000">
+                <p:cTn id="7" fill="hold" display="0">
+                  <p:stCondLst>
+                    <p:cond delay="indefinite"/>
+                  </p:stCondLst>
+                  <p:endCondLst>
+                    <p:cond evt="onStopAudio" delay="0">
+                      <p:tgtEl>
+                        <p:sldTgt/>
+                      </p:tgtEl>
+                    </p:cond>
+                  </p:endCondLst>
+                </p:cTn>
+                <p:tgtEl>
+                  <p:spTgt spid="2"/>
+                </p:tgtEl>
+              </p:cMediaNode>
+            </p:audio>
+          </p:childTnLst>
+        </p:cTn>
+      </p:par>
+    </p:tnLst>
+  </p:timing>
 </p:sld>
 </file>
 
@@ -10665,7 +11397,7 @@
           <p:nvPr/>
         </p:nvPicPr>
         <p:blipFill>
-          <a:blip r:embed="rId3"/>
+          <a:blip r:embed="rId5"/>
           <a:stretch>
             <a:fillRect/>
           </a:stretch>
@@ -10719,6 +11451,44 @@
           </a:p>
         </p:txBody>
       </p:sp>
+      <p:pic>
+        <p:nvPicPr>
+          <p:cNvPr id="2" name="Audio Recording 12 Jan 2021 at 14:13:06" descr="Audio Recording 12 Jan 2021 at 14:13:06">
+            <a:hlinkClick r:id="" action="ppaction://media"/>
+            <a:extLst>
+              <a:ext uri="{FF2B5EF4-FFF2-40B4-BE49-F238E27FC236}">
+                <a16:creationId xmlns:a16="http://schemas.microsoft.com/office/drawing/2014/main" id="{92F90A61-9A6E-4143-99DD-A930068836F0}"/>
+              </a:ext>
+            </a:extLst>
+          </p:cNvPr>
+          <p:cNvPicPr>
+            <a:picLocks noChangeAspect="1"/>
+          </p:cNvPicPr>
+          <p:nvPr>
+            <a:audioFile r:link="rId2"/>
+            <p:extLst>
+              <p:ext uri="{DAA4B4D4-6D71-4841-9C94-3DE7FCFB9230}">
+                <p14:media xmlns:p14="http://schemas.microsoft.com/office/powerpoint/2010/main" r:embed="rId1"/>
+              </p:ext>
+            </p:extLst>
+          </p:nvPr>
+        </p:nvPicPr>
+        <p:blipFill>
+          <a:blip r:embed="rId6"/>
+          <a:stretch>
+            <a:fillRect/>
+          </a:stretch>
+        </p:blipFill>
+        <p:spPr>
+          <a:xfrm>
+            <a:off x="4633913" y="3373438"/>
+            <a:ext cx="812800" cy="812800"/>
+          </a:xfrm>
+          <a:prstGeom prst="rect">
+            <a:avLst/>
+          </a:prstGeom>
+        </p:spPr>
+      </p:pic>
     </p:spTree>
   </p:cSld>
   <p:clrMapOvr>
@@ -10727,6 +11497,90 @@
   <p:transition spd="slow">
     <p:cut/>
   </p:transition>
+  <p:timing>
+    <p:tnLst>
+      <p:par>
+        <p:cTn id="1" dur="indefinite" restart="never" nodeType="tmRoot">
+          <p:childTnLst>
+            <p:seq concurrent="1" nextAc="seek">
+              <p:cTn id="2" dur="indefinite" nodeType="mainSeq">
+                <p:childTnLst>
+                  <p:par>
+                    <p:cTn id="3" fill="hold">
+                      <p:stCondLst>
+                        <p:cond delay="indefinite"/>
+                      </p:stCondLst>
+                      <p:childTnLst>
+                        <p:par>
+                          <p:cTn id="4" fill="hold">
+                            <p:stCondLst>
+                              <p:cond delay="0"/>
+                            </p:stCondLst>
+                            <p:childTnLst>
+                              <p:par>
+                                <p:cTn id="5" presetID="1" presetClass="mediacall" presetSubtype="0" fill="hold" nodeType="clickEffect">
+                                  <p:stCondLst>
+                                    <p:cond delay="0"/>
+                                  </p:stCondLst>
+                                  <p:childTnLst>
+                                    <p:cmd type="call" cmd="playFrom(0.0)">
+                                      <p:cBhvr>
+                                        <p:cTn id="6" dur="20864" fill="hold"/>
+                                        <p:tgtEl>
+                                          <p:spTgt spid="2"/>
+                                        </p:tgtEl>
+                                      </p:cBhvr>
+                                    </p:cmd>
+                                  </p:childTnLst>
+                                </p:cTn>
+                              </p:par>
+                            </p:childTnLst>
+                          </p:cTn>
+                        </p:par>
+                      </p:childTnLst>
+                    </p:cTn>
+                  </p:par>
+                </p:childTnLst>
+              </p:cTn>
+              <p:prevCondLst>
+                <p:cond evt="onPrev" delay="0">
+                  <p:tgtEl>
+                    <p:sldTgt/>
+                  </p:tgtEl>
+                </p:cond>
+              </p:prevCondLst>
+              <p:nextCondLst>
+                <p:cond evt="onNext" delay="0">
+                  <p:tgtEl>
+                    <p:sldTgt/>
+                  </p:tgtEl>
+                </p:cond>
+              </p:nextCondLst>
+            </p:seq>
+            <p:audio>
+              <p:cMediaNode vol="80000">
+                <p:cTn id="7" fill="hold" display="0">
+                  <p:stCondLst>
+                    <p:cond delay="indefinite"/>
+                  </p:stCondLst>
+                  <p:endCondLst>
+                    <p:cond evt="onStopAudio" delay="0">
+                      <p:tgtEl>
+                        <p:sldTgt/>
+                      </p:tgtEl>
+                    </p:cond>
+                  </p:endCondLst>
+                </p:cTn>
+                <p:tgtEl>
+                  <p:spTgt spid="2"/>
+                </p:tgtEl>
+              </p:cMediaNode>
+            </p:audio>
+          </p:childTnLst>
+        </p:cTn>
+      </p:par>
+    </p:tnLst>
+  </p:timing>
 </p:sld>
 </file>
 
@@ -10909,7 +11763,7 @@
           <p:nvPr/>
         </p:nvPicPr>
         <p:blipFill>
-          <a:blip r:embed="rId3"/>
+          <a:blip r:embed="rId5"/>
           <a:stretch>
             <a:fillRect/>
           </a:stretch>
@@ -10931,7 +11785,7 @@
           <p:nvPr/>
         </p:nvPicPr>
         <p:blipFill>
-          <a:blip r:embed="rId4"/>
+          <a:blip r:embed="rId6"/>
           <a:stretch>
             <a:fillRect/>
           </a:stretch>
@@ -10985,7 +11839,7 @@
               <a:buNone/>
             </a:pPr>
             <a:r>
-              <a:rPr lang="en-US" sz="1600" b="0" i="1" u="none" strike="noStrike" cap="none" baseline="0">
+              <a:rPr lang="en-US" sz="1600" b="0" i="1" u="none" strike="noStrike" cap="none" baseline="0" dirty="0">
                 <a:solidFill>
                   <a:srgbClr val="000000"/>
                 </a:solidFill>
@@ -10997,7 +11851,7 @@
               <a:t>I</a:t>
             </a:r>
             <a:r>
-              <a:rPr lang="en-US" sz="1600" b="0" i="0" u="none" strike="noStrike" cap="none" baseline="0">
+              <a:rPr lang="en-US" sz="1600" b="0" i="0" u="none" strike="noStrike" cap="none" baseline="0" dirty="0">
                 <a:solidFill>
                   <a:srgbClr val="000000"/>
                 </a:solidFill>
@@ -11009,7 +11863,7 @@
               <a:t>=</a:t>
             </a:r>
             <a:r>
-              <a:rPr lang="en-US" sz="1600" b="0" i="1" u="none" strike="noStrike" cap="none" baseline="0">
+              <a:rPr lang="en-US" sz="1600" b="0" i="1" u="none" strike="noStrike" cap="none" baseline="0" dirty="0">
                 <a:solidFill>
                   <a:srgbClr val="000000"/>
                 </a:solidFill>
@@ -11021,7 +11875,7 @@
               <a:t>IPAR</a:t>
             </a:r>
             <a:r>
-              <a:rPr lang="en-US" sz="1600" b="0" i="0" u="none" strike="noStrike" cap="none" baseline="0">
+              <a:rPr lang="en-US" sz="1600" b="0" i="0" u="none" strike="noStrike" cap="none" baseline="0" dirty="0">
                 <a:solidFill>
                   <a:srgbClr val="000000"/>
                 </a:solidFill>
@@ -11033,7 +11887,7 @@
               <a:t>/</a:t>
             </a:r>
             <a:r>
-              <a:rPr lang="en-US" sz="1600" b="0" i="1" u="none" strike="noStrike" cap="none" baseline="0">
+              <a:rPr lang="en-US" sz="1600" b="0" i="1" u="none" strike="noStrike" cap="none" baseline="0" dirty="0">
                 <a:solidFill>
                   <a:srgbClr val="000000"/>
                 </a:solidFill>
@@ -11045,7 +11899,7 @@
               <a:t>EPAR</a:t>
             </a:r>
             <a:r>
-              <a:rPr lang="en-US" sz="1600" b="0" i="0" u="none" strike="noStrike" cap="none" baseline="0">
+              <a:rPr lang="en-US" sz="1600" b="0" i="0" u="none" strike="noStrike" cap="none" baseline="0" dirty="0">
                 <a:solidFill>
                   <a:srgbClr val="000000"/>
                 </a:solidFill>
@@ -11057,7 +11911,7 @@
               <a:t> where </a:t>
             </a:r>
             <a:r>
-              <a:rPr lang="en-US" sz="1600" b="0" i="1" u="none" strike="noStrike" cap="none" baseline="0">
+              <a:rPr lang="en-US" sz="1600" b="0" i="1" u="none" strike="noStrike" cap="none" baseline="0" dirty="0">
                 <a:solidFill>
                   <a:srgbClr val="000000"/>
                 </a:solidFill>
@@ -11069,7 +11923,7 @@
               <a:t>IPAR</a:t>
             </a:r>
             <a:r>
-              <a:rPr lang="en-US" sz="1600" b="0" i="0" u="none" strike="noStrike" cap="none" baseline="0">
+              <a:rPr lang="en-US" sz="1600" b="0" i="0" u="none" strike="noStrike" cap="none" baseline="0" dirty="0">
                 <a:solidFill>
                   <a:srgbClr val="000000"/>
                 </a:solidFill>
@@ -11081,7 +11935,7 @@
               <a:t> (</a:t>
             </a:r>
             <a:r>
-              <a:rPr lang="en-US" sz="1600" b="0" i="1" u="none" strike="noStrike" cap="none" baseline="0">
+              <a:rPr lang="en-US" sz="1600" b="0" i="1" u="none" strike="noStrike" cap="none" baseline="0" dirty="0">
                 <a:solidFill>
                   <a:srgbClr val="000000"/>
                 </a:solidFill>
@@ -11093,7 +11947,7 @@
               <a:t>Wm</a:t>
             </a:r>
             <a:r>
-              <a:rPr lang="en-US" sz="1600" b="0" i="0" u="none" strike="noStrike" cap="none" baseline="0">
+              <a:rPr lang="en-US" sz="1600" b="0" i="0" u="none" strike="noStrike" cap="none" baseline="0" dirty="0">
                 <a:solidFill>
                   <a:srgbClr val="000000"/>
                 </a:solidFill>
@@ -11105,7 +11959,7 @@
               <a:t>−2</a:t>
             </a:r>
             <a:r>
-              <a:rPr lang="en-US" sz="1600" b="0" i="0" u="none" strike="noStrike" cap="none" baseline="0">
+              <a:rPr lang="en-US" sz="1600" b="0" i="0" u="none" strike="noStrike" cap="none" baseline="0" dirty="0">
                 <a:solidFill>
                   <a:srgbClr val="000000"/>
                 </a:solidFill>
@@ -11117,7 +11971,7 @@
               <a:t>) is the PAR absorption rate </a:t>
             </a:r>
             <a:r>
-              <a:rPr lang="en-US" sz="1600" b="0" i="1" u="none" strike="noStrike" cap="none" baseline="0">
+              <a:rPr lang="en-US" sz="1600" b="0" i="1" u="none" strike="noStrike" cap="none" baseline="0" dirty="0">
                 <a:solidFill>
                   <a:srgbClr val="000000"/>
                 </a:solidFill>
@@ -11129,7 +11983,7 @@
               <a:t>EPAR</a:t>
             </a:r>
             <a:r>
-              <a:rPr lang="en-US" sz="1600" b="0" i="0" u="none" strike="noStrike" cap="none" baseline="0">
+              <a:rPr lang="en-US" sz="1600" b="0" i="0" u="none" strike="noStrike" cap="none" baseline="0" dirty="0">
                 <a:solidFill>
                   <a:srgbClr val="000000"/>
                 </a:solidFill>
@@ -11141,7 +11995,7 @@
               <a:t> the energy content of PAR quanta (220 </a:t>
             </a:r>
             <a:r>
-              <a:rPr lang="en-US" sz="1600" b="0" i="1" u="none" strike="noStrike" cap="none" baseline="0">
+              <a:rPr lang="en-US" sz="1600" b="0" i="1" u="none" strike="noStrike" cap="none" baseline="0" dirty="0">
                 <a:solidFill>
                   <a:srgbClr val="000000"/>
                 </a:solidFill>
@@ -11153,7 +12007,7 @@
               <a:t>kJmol</a:t>
             </a:r>
             <a:r>
-              <a:rPr lang="en-US" sz="1600" b="0" i="0" u="none" strike="noStrike" cap="none" baseline="0">
+              <a:rPr lang="en-US" sz="1600" b="0" i="0" u="none" strike="noStrike" cap="none" baseline="0" dirty="0">
                 <a:solidFill>
                   <a:srgbClr val="000000"/>
                 </a:solidFill>
@@ -11165,7 +12019,7 @@
               <a:t>−1</a:t>
             </a:r>
             <a:r>
-              <a:rPr lang="en-US" sz="1600" b="0" i="0" u="none" strike="noStrike" cap="none" baseline="0">
+              <a:rPr lang="en-US" sz="1600" b="0" i="0" u="none" strike="noStrike" cap="none" baseline="0" dirty="0">
                 <a:solidFill>
                   <a:srgbClr val="000000"/>
                 </a:solidFill>
@@ -11177,7 +12031,7 @@
               <a:t>), </a:t>
             </a:r>
             <a:r>
-              <a:rPr lang="en-US" sz="1600" b="0" i="1" u="none" strike="noStrike" cap="none" baseline="0">
+              <a:rPr lang="en-US" sz="1600" b="0" i="1" u="none" strike="noStrike" cap="none" baseline="0" dirty="0" err="1">
                 <a:solidFill>
                   <a:srgbClr val="000000"/>
                 </a:solidFill>
@@ -11189,7 +12043,7 @@
               <a:t>Jmax</a:t>
             </a:r>
             <a:r>
-              <a:rPr lang="en-US" sz="1600" b="0" i="0" u="none" strike="noStrike" cap="none" baseline="0">
+              <a:rPr lang="en-US" sz="1600" b="0" i="0" u="none" strike="noStrike" cap="none" baseline="0" dirty="0">
                 <a:solidFill>
                   <a:srgbClr val="000000"/>
                 </a:solidFill>
@@ -11201,7 +12055,7 @@
               <a:t> the maximum electron transport rate, (</a:t>
             </a:r>
             <a:r>
-              <a:rPr lang="en-US" sz="1600" b="0" i="1" u="none" strike="noStrike" cap="none" baseline="0">
+              <a:rPr lang="en-US" sz="1600" b="0" i="1" u="none" strike="noStrike" cap="none" baseline="0" dirty="0">
                 <a:solidFill>
                   <a:srgbClr val="000000"/>
                 </a:solidFill>
@@ -11213,7 +12067,7 @@
               <a:t>mol</a:t>
             </a:r>
             <a:r>
-              <a:rPr lang="en-US" sz="1600" b="0" i="0" u="none" strike="noStrike" cap="none" baseline="0">
+              <a:rPr lang="en-US" sz="1600" b="0" i="0" u="none" strike="noStrike" cap="none" baseline="0" dirty="0">
                 <a:solidFill>
                   <a:srgbClr val="000000"/>
                 </a:solidFill>
@@ -11225,7 +12079,7 @@
               <a:t>(</a:t>
             </a:r>
             <a:r>
-              <a:rPr lang="en-US" sz="1600" b="0" i="1" u="none" strike="noStrike" cap="none" baseline="0">
+              <a:rPr lang="en-US" sz="1600" b="0" i="1" u="none" strike="noStrike" cap="none" baseline="0" dirty="0">
                 <a:solidFill>
                   <a:srgbClr val="000000"/>
                 </a:solidFill>
@@ -11237,7 +12091,7 @@
               <a:t>CO</a:t>
             </a:r>
             <a:r>
-              <a:rPr lang="en-US" sz="1600" b="0" i="0" u="none" strike="noStrike" cap="none" baseline="0">
+              <a:rPr lang="en-US" sz="1600" b="0" i="0" u="none" strike="noStrike" cap="none" baseline="0" dirty="0">
                 <a:solidFill>
                   <a:srgbClr val="000000"/>
                 </a:solidFill>
@@ -11249,7 +12103,7 @@
               <a:t>2)</a:t>
             </a:r>
             <a:r>
-              <a:rPr lang="en-US" sz="1600" b="0" i="1" u="none" strike="noStrike" cap="none" baseline="0">
+              <a:rPr lang="en-US" sz="1600" b="0" i="1" u="none" strike="noStrike" cap="none" baseline="0" dirty="0">
                 <a:solidFill>
                   <a:srgbClr val="000000"/>
                 </a:solidFill>
@@ -11261,7 +12115,7 @@
               <a:t>m</a:t>
             </a:r>
             <a:r>
-              <a:rPr lang="en-US" sz="1600" b="0" i="0" u="none" strike="noStrike" cap="none" baseline="0">
+              <a:rPr lang="en-US" sz="1600" b="0" i="0" u="none" strike="noStrike" cap="none" baseline="0" dirty="0">
                 <a:solidFill>
                   <a:srgbClr val="000000"/>
                 </a:solidFill>
@@ -11273,7 +12127,7 @@
               <a:t>−2</a:t>
             </a:r>
             <a:r>
-              <a:rPr lang="en-US" sz="1600" b="0" i="1" u="none" strike="noStrike" cap="none" baseline="0">
+              <a:rPr lang="en-US" sz="1600" b="0" i="1" u="none" strike="noStrike" cap="none" baseline="0" dirty="0">
                 <a:solidFill>
                   <a:srgbClr val="000000"/>
                 </a:solidFill>
@@ -11285,7 +12139,7 @@
               <a:t>s</a:t>
             </a:r>
             <a:r>
-              <a:rPr lang="en-US" sz="1600" b="0" i="0" u="none" strike="noStrike" cap="none" baseline="0">
+              <a:rPr lang="en-US" sz="1600" b="0" i="0" u="none" strike="noStrike" cap="none" baseline="0" dirty="0">
                 <a:solidFill>
                   <a:srgbClr val="000000"/>
                 </a:solidFill>
@@ -11297,7 +12151,7 @@
               <a:t>−1</a:t>
             </a:r>
             <a:r>
-              <a:rPr lang="en-US" sz="1600" b="0" i="0" u="none" strike="noStrike" cap="none" baseline="0">
+              <a:rPr lang="en-US" sz="1600" b="0" i="0" u="none" strike="noStrike" cap="none" baseline="0" dirty="0">
                 <a:solidFill>
                   <a:srgbClr val="000000"/>
                 </a:solidFill>
@@ -11309,7 +12163,7 @@
               <a:t> and </a:t>
             </a:r>
             <a:r>
-              <a:rPr lang="en-US" sz="1600" b="0" i="1" u="none" strike="noStrike" cap="none" baseline="0">
+              <a:rPr lang="en-US" sz="1600" b="0" i="1" u="none" strike="noStrike" cap="none" baseline="0" dirty="0">
                 <a:solidFill>
                   <a:srgbClr val="000000"/>
                 </a:solidFill>
@@ -11321,7 +12175,7 @@
               <a:t>α</a:t>
             </a:r>
             <a:r>
-              <a:rPr lang="en-US" sz="1600" b="0" i="0" u="none" strike="noStrike" cap="none" baseline="0">
+              <a:rPr lang="en-US" sz="1600" b="0" i="0" u="none" strike="noStrike" cap="none" baseline="0" dirty="0">
                 <a:solidFill>
                   <a:srgbClr val="000000"/>
                 </a:solidFill>
@@ -11348,7 +12202,7 @@
               <a:buNone/>
             </a:pPr>
             <a:r>
-              <a:rPr lang="en-US" sz="1600" b="0" i="1" u="none" strike="noStrike" cap="none" baseline="0">
+              <a:rPr lang="en-US" sz="1600" b="0" i="1" u="none" strike="noStrike" cap="none" baseline="0" dirty="0">
                 <a:solidFill>
                   <a:srgbClr val="000000"/>
                 </a:solidFill>
@@ -11360,7 +12214,7 @@
               <a:t>NSCL</a:t>
             </a:r>
             <a:r>
-              <a:rPr lang="en-US" sz="1600" b="0" i="0" u="none" strike="noStrike" cap="none" baseline="0">
+              <a:rPr lang="en-US" sz="1600" b="0" i="0" u="none" strike="noStrike" cap="none" baseline="0" dirty="0">
                 <a:solidFill>
                   <a:srgbClr val="000000"/>
                 </a:solidFill>
@@ -11374,6 +12228,44 @@
           </a:p>
         </p:txBody>
       </p:sp>
+      <p:pic>
+        <p:nvPicPr>
+          <p:cNvPr id="2" name="Audio Recording 12 Jan 2021 at 14:14:28" descr="Audio Recording 12 Jan 2021 at 14:14:28">
+            <a:hlinkClick r:id="" action="ppaction://media"/>
+            <a:extLst>
+              <a:ext uri="{FF2B5EF4-FFF2-40B4-BE49-F238E27FC236}">
+                <a16:creationId xmlns:a16="http://schemas.microsoft.com/office/drawing/2014/main" id="{0D2B0972-0937-484B-89EB-5BB5DD7524D3}"/>
+              </a:ext>
+            </a:extLst>
+          </p:cNvPr>
+          <p:cNvPicPr>
+            <a:picLocks noChangeAspect="1"/>
+          </p:cNvPicPr>
+          <p:nvPr>
+            <a:audioFile r:link="rId2"/>
+            <p:extLst>
+              <p:ext uri="{DAA4B4D4-6D71-4841-9C94-3DE7FCFB9230}">
+                <p14:media xmlns:p14="http://schemas.microsoft.com/office/powerpoint/2010/main" r:embed="rId1"/>
+              </p:ext>
+            </p:extLst>
+          </p:nvPr>
+        </p:nvPicPr>
+        <p:blipFill>
+          <a:blip r:embed="rId7"/>
+          <a:stretch>
+            <a:fillRect/>
+          </a:stretch>
+        </p:blipFill>
+        <p:spPr>
+          <a:xfrm>
+            <a:off x="4633913" y="3373438"/>
+            <a:ext cx="812800" cy="812800"/>
+          </a:xfrm>
+          <a:prstGeom prst="rect">
+            <a:avLst/>
+          </a:prstGeom>
+        </p:spPr>
+      </p:pic>
     </p:spTree>
   </p:cSld>
   <p:clrMapOvr>
@@ -11382,6 +12274,90 @@
   <p:transition spd="slow">
     <p:cut/>
   </p:transition>
+  <p:timing>
+    <p:tnLst>
+      <p:par>
+        <p:cTn id="1" dur="indefinite" restart="never" nodeType="tmRoot">
+          <p:childTnLst>
+            <p:seq concurrent="1" nextAc="seek">
+              <p:cTn id="2" dur="indefinite" nodeType="mainSeq">
+                <p:childTnLst>
+                  <p:par>
+                    <p:cTn id="3" fill="hold">
+                      <p:stCondLst>
+                        <p:cond delay="indefinite"/>
+                      </p:stCondLst>
+                      <p:childTnLst>
+                        <p:par>
+                          <p:cTn id="4" fill="hold">
+                            <p:stCondLst>
+                              <p:cond delay="0"/>
+                            </p:stCondLst>
+                            <p:childTnLst>
+                              <p:par>
+                                <p:cTn id="5" presetID="1" presetClass="mediacall" presetSubtype="0" fill="hold" nodeType="clickEffect">
+                                  <p:stCondLst>
+                                    <p:cond delay="0"/>
+                                  </p:stCondLst>
+                                  <p:childTnLst>
+                                    <p:cmd type="call" cmd="playFrom(0.0)">
+                                      <p:cBhvr>
+                                        <p:cTn id="6" dur="30848" fill="hold"/>
+                                        <p:tgtEl>
+                                          <p:spTgt spid="2"/>
+                                        </p:tgtEl>
+                                      </p:cBhvr>
+                                    </p:cmd>
+                                  </p:childTnLst>
+                                </p:cTn>
+                              </p:par>
+                            </p:childTnLst>
+                          </p:cTn>
+                        </p:par>
+                      </p:childTnLst>
+                    </p:cTn>
+                  </p:par>
+                </p:childTnLst>
+              </p:cTn>
+              <p:prevCondLst>
+                <p:cond evt="onPrev" delay="0">
+                  <p:tgtEl>
+                    <p:sldTgt/>
+                  </p:tgtEl>
+                </p:cond>
+              </p:prevCondLst>
+              <p:nextCondLst>
+                <p:cond evt="onNext" delay="0">
+                  <p:tgtEl>
+                    <p:sldTgt/>
+                  </p:tgtEl>
+                </p:cond>
+              </p:nextCondLst>
+            </p:seq>
+            <p:audio>
+              <p:cMediaNode vol="80000">
+                <p:cTn id="7" fill="hold" display="0">
+                  <p:stCondLst>
+                    <p:cond delay="indefinite"/>
+                  </p:stCondLst>
+                  <p:endCondLst>
+                    <p:cond evt="onStopAudio" delay="0">
+                      <p:tgtEl>
+                        <p:sldTgt/>
+                      </p:tgtEl>
+                    </p:cond>
+                  </p:endCondLst>
+                </p:cTn>
+                <p:tgtEl>
+                  <p:spTgt spid="2"/>
+                </p:tgtEl>
+              </p:cMediaNode>
+            </p:audio>
+          </p:childTnLst>
+        </p:cTn>
+      </p:par>
+    </p:tnLst>
+  </p:timing>
 </p:sld>
 </file>
 
@@ -11472,57 +12448,79 @@
             </a:pPr>
             <a:r>
               <a:rPr lang="en-US" sz="3200" dirty="0"/>
-              <a:t>An </a:t>
-            </a:r>
-            <a:r>
-              <a:rPr lang="en-US" sz="3200" dirty="0" err="1"/>
-              <a:t>IPython</a:t>
-            </a:r>
-            <a:r>
-              <a:rPr lang="en-US" sz="3200" dirty="0"/>
-              <a:t> notebook you can use to </a:t>
-            </a:r>
-            <a:r>
-              <a:rPr lang="en-US" sz="3200" dirty="0" err="1"/>
-              <a:t>familiarise</a:t>
-            </a:r>
-            <a:r>
-              <a:rPr lang="en-US" sz="3200" dirty="0"/>
-              <a:t> yourself with the Farquhar Photosynthesis model:</a:t>
-            </a:r>
+              <a:t>Practical next week:</a:t>
+            </a:r>
+            <a:endParaRPr lang="en-US" sz="4800" b="1" u="sng" dirty="0">
+              <a:solidFill>
+                <a:srgbClr val="0000FF"/>
+              </a:solidFill>
+              <a:latin typeface="Courier New"/>
+              <a:cs typeface="Courier New"/>
+              <a:sym typeface="Courier New"/>
+            </a:endParaRPr>
           </a:p>
           <a:p>
-            <a:pPr algn="ctr">
-              <a:buNone/>
+            <a:pPr marL="457200" lvl="0" indent="-431800">
+              <a:buClr>
+                <a:srgbClr val="000000"/>
+              </a:buClr>
+              <a:buSzPct val="166666"/>
+              <a:buFont typeface="Arial"/>
+              <a:buChar char="•"/>
             </a:pPr>
             <a:r>
-              <a:rPr lang="en-US" sz="4800" b="1" dirty="0">
-                <a:solidFill>
-                  <a:srgbClr val="0000FF"/>
-                </a:solidFill>
-                <a:latin typeface="Courier New"/>
-                <a:ea typeface="Courier New"/>
-                <a:cs typeface="Courier New"/>
-                <a:sym typeface="Courier New"/>
-              </a:rPr>
-              <a:t> </a:t>
-            </a:r>
-            <a:r>
-              <a:rPr lang="en-US" sz="4800" b="1" u="sng" dirty="0">
-                <a:solidFill>
-                  <a:srgbClr val="0000FF"/>
-                </a:solidFill>
-                <a:latin typeface="Courier New"/>
-                <a:ea typeface="Courier New"/>
-                <a:cs typeface="Courier New"/>
-                <a:sym typeface="Courier New"/>
-                <a:hlinkClick r:id="rId3"/>
-              </a:rPr>
-              <a:t>http://bit.ly/1eAm2xz</a:t>
+              <a:rPr lang="en-US" sz="3200" dirty="0"/>
+              <a:t>https://ucl-eo-geog0133.readthedocs-hosted.com/</a:t>
+            </a:r>
+            <a:r>
+              <a:rPr lang="en-US" sz="3200" dirty="0" err="1"/>
+              <a:t>en</a:t>
+            </a:r>
+            <a:r>
+              <a:rPr lang="en-US" sz="3200" dirty="0"/>
+              <a:t>/latest/notebooks/011_Photosynthesis_Modelling_Practical.html</a:t>
             </a:r>
           </a:p>
         </p:txBody>
       </p:sp>
+      <p:pic>
+        <p:nvPicPr>
+          <p:cNvPr id="2" name="Audio Recording 12 Jan 2021 at 14:15:47" descr="Audio Recording 12 Jan 2021 at 14:15:47">
+            <a:hlinkClick r:id="" action="ppaction://media"/>
+            <a:extLst>
+              <a:ext uri="{FF2B5EF4-FFF2-40B4-BE49-F238E27FC236}">
+                <a16:creationId xmlns:a16="http://schemas.microsoft.com/office/drawing/2014/main" id="{EB702739-8C08-6146-B417-998BF4978CDF}"/>
+              </a:ext>
+            </a:extLst>
+          </p:cNvPr>
+          <p:cNvPicPr>
+            <a:picLocks noChangeAspect="1"/>
+          </p:cNvPicPr>
+          <p:nvPr>
+            <a:audioFile r:link="rId2"/>
+            <p:extLst>
+              <p:ext uri="{DAA4B4D4-6D71-4841-9C94-3DE7FCFB9230}">
+                <p14:media xmlns:p14="http://schemas.microsoft.com/office/powerpoint/2010/main" r:embed="rId1"/>
+              </p:ext>
+            </p:extLst>
+          </p:nvPr>
+        </p:nvPicPr>
+        <p:blipFill>
+          <a:blip r:embed="rId5"/>
+          <a:stretch>
+            <a:fillRect/>
+          </a:stretch>
+        </p:blipFill>
+        <p:spPr>
+          <a:xfrm>
+            <a:off x="4633913" y="3373438"/>
+            <a:ext cx="812800" cy="812800"/>
+          </a:xfrm>
+          <a:prstGeom prst="rect">
+            <a:avLst/>
+          </a:prstGeom>
+        </p:spPr>
+      </p:pic>
     </p:spTree>
   </p:cSld>
   <p:clrMapOvr>
@@ -11531,6 +12529,90 @@
   <p:transition spd="slow">
     <p:cut/>
   </p:transition>
+  <p:timing>
+    <p:tnLst>
+      <p:par>
+        <p:cTn id="1" dur="indefinite" restart="never" nodeType="tmRoot">
+          <p:childTnLst>
+            <p:seq concurrent="1" nextAc="seek">
+              <p:cTn id="2" dur="indefinite" nodeType="mainSeq">
+                <p:childTnLst>
+                  <p:par>
+                    <p:cTn id="3" fill="hold">
+                      <p:stCondLst>
+                        <p:cond delay="indefinite"/>
+                      </p:stCondLst>
+                      <p:childTnLst>
+                        <p:par>
+                          <p:cTn id="4" fill="hold">
+                            <p:stCondLst>
+                              <p:cond delay="0"/>
+                            </p:stCondLst>
+                            <p:childTnLst>
+                              <p:par>
+                                <p:cTn id="5" presetID="1" presetClass="mediacall" presetSubtype="0" fill="hold" nodeType="clickEffect">
+                                  <p:stCondLst>
+                                    <p:cond delay="0"/>
+                                  </p:stCondLst>
+                                  <p:childTnLst>
+                                    <p:cmd type="call" cmd="playFrom(0.0)">
+                                      <p:cBhvr>
+                                        <p:cTn id="6" dur="30784" fill="hold"/>
+                                        <p:tgtEl>
+                                          <p:spTgt spid="2"/>
+                                        </p:tgtEl>
+                                      </p:cBhvr>
+                                    </p:cmd>
+                                  </p:childTnLst>
+                                </p:cTn>
+                              </p:par>
+                            </p:childTnLst>
+                          </p:cTn>
+                        </p:par>
+                      </p:childTnLst>
+                    </p:cTn>
+                  </p:par>
+                </p:childTnLst>
+              </p:cTn>
+              <p:prevCondLst>
+                <p:cond evt="onPrev" delay="0">
+                  <p:tgtEl>
+                    <p:sldTgt/>
+                  </p:tgtEl>
+                </p:cond>
+              </p:prevCondLst>
+              <p:nextCondLst>
+                <p:cond evt="onNext" delay="0">
+                  <p:tgtEl>
+                    <p:sldTgt/>
+                  </p:tgtEl>
+                </p:cond>
+              </p:nextCondLst>
+            </p:seq>
+            <p:audio>
+              <p:cMediaNode vol="80000">
+                <p:cTn id="7" fill="hold" display="0">
+                  <p:stCondLst>
+                    <p:cond delay="indefinite"/>
+                  </p:stCondLst>
+                  <p:endCondLst>
+                    <p:cond evt="onStopAudio" delay="0">
+                      <p:tgtEl>
+                        <p:sldTgt/>
+                      </p:tgtEl>
+                    </p:cond>
+                  </p:endCondLst>
+                </p:cTn>
+                <p:tgtEl>
+                  <p:spTgt spid="2"/>
+                </p:tgtEl>
+              </p:cMediaNode>
+            </p:audio>
+          </p:childTnLst>
+        </p:cTn>
+      </p:par>
+    </p:tnLst>
+  </p:timing>
 </p:sld>
 </file>
 
@@ -11674,7 +12756,7 @@
           <p:nvPr/>
         </p:nvPicPr>
         <p:blipFill>
-          <a:blip r:embed="rId3"/>
+          <a:blip r:embed="rId5"/>
           <a:stretch>
             <a:fillRect/>
           </a:stretch>
@@ -11689,6 +12771,44 @@
           </a:prstGeom>
         </p:spPr>
       </p:pic>
+      <p:pic>
+        <p:nvPicPr>
+          <p:cNvPr id="2" name="Audio Recording 12 Jan 2021 at 14:16:52" descr="Audio Recording 12 Jan 2021 at 14:16:52">
+            <a:hlinkClick r:id="" action="ppaction://media"/>
+            <a:extLst>
+              <a:ext uri="{FF2B5EF4-FFF2-40B4-BE49-F238E27FC236}">
+                <a16:creationId xmlns:a16="http://schemas.microsoft.com/office/drawing/2014/main" id="{FFCBF7E2-1964-B948-B2FB-83DC5F7CF13D}"/>
+              </a:ext>
+            </a:extLst>
+          </p:cNvPr>
+          <p:cNvPicPr>
+            <a:picLocks noChangeAspect="1"/>
+          </p:cNvPicPr>
+          <p:nvPr>
+            <a:audioFile r:link="rId2"/>
+            <p:extLst>
+              <p:ext uri="{DAA4B4D4-6D71-4841-9C94-3DE7FCFB9230}">
+                <p14:media xmlns:p14="http://schemas.microsoft.com/office/powerpoint/2010/main" r:embed="rId1"/>
+              </p:ext>
+            </p:extLst>
+          </p:nvPr>
+        </p:nvPicPr>
+        <p:blipFill>
+          <a:blip r:embed="rId6"/>
+          <a:stretch>
+            <a:fillRect/>
+          </a:stretch>
+        </p:blipFill>
+        <p:spPr>
+          <a:xfrm>
+            <a:off x="4633913" y="3373438"/>
+            <a:ext cx="812800" cy="812800"/>
+          </a:xfrm>
+          <a:prstGeom prst="rect">
+            <a:avLst/>
+          </a:prstGeom>
+        </p:spPr>
+      </p:pic>
     </p:spTree>
   </p:cSld>
   <p:clrMapOvr>
@@ -11697,6 +12817,90 @@
   <p:transition spd="slow">
     <p:cut/>
   </p:transition>
+  <p:timing>
+    <p:tnLst>
+      <p:par>
+        <p:cTn id="1" dur="indefinite" restart="never" nodeType="tmRoot">
+          <p:childTnLst>
+            <p:seq concurrent="1" nextAc="seek">
+              <p:cTn id="2" dur="indefinite" nodeType="mainSeq">
+                <p:childTnLst>
+                  <p:par>
+                    <p:cTn id="3" fill="hold">
+                      <p:stCondLst>
+                        <p:cond delay="indefinite"/>
+                      </p:stCondLst>
+                      <p:childTnLst>
+                        <p:par>
+                          <p:cTn id="4" fill="hold">
+                            <p:stCondLst>
+                              <p:cond delay="0"/>
+                            </p:stCondLst>
+                            <p:childTnLst>
+                              <p:par>
+                                <p:cTn id="5" presetID="1" presetClass="mediacall" presetSubtype="0" fill="hold" nodeType="clickEffect">
+                                  <p:stCondLst>
+                                    <p:cond delay="0"/>
+                                  </p:stCondLst>
+                                  <p:childTnLst>
+                                    <p:cmd type="call" cmd="playFrom(0.0)">
+                                      <p:cBhvr>
+                                        <p:cTn id="6" dur="53504" fill="hold"/>
+                                        <p:tgtEl>
+                                          <p:spTgt spid="2"/>
+                                        </p:tgtEl>
+                                      </p:cBhvr>
+                                    </p:cmd>
+                                  </p:childTnLst>
+                                </p:cTn>
+                              </p:par>
+                            </p:childTnLst>
+                          </p:cTn>
+                        </p:par>
+                      </p:childTnLst>
+                    </p:cTn>
+                  </p:par>
+                </p:childTnLst>
+              </p:cTn>
+              <p:prevCondLst>
+                <p:cond evt="onPrev" delay="0">
+                  <p:tgtEl>
+                    <p:sldTgt/>
+                  </p:tgtEl>
+                </p:cond>
+              </p:prevCondLst>
+              <p:nextCondLst>
+                <p:cond evt="onNext" delay="0">
+                  <p:tgtEl>
+                    <p:sldTgt/>
+                  </p:tgtEl>
+                </p:cond>
+              </p:nextCondLst>
+            </p:seq>
+            <p:audio>
+              <p:cMediaNode vol="80000">
+                <p:cTn id="7" fill="hold" display="0">
+                  <p:stCondLst>
+                    <p:cond delay="indefinite"/>
+                  </p:stCondLst>
+                  <p:endCondLst>
+                    <p:cond evt="onStopAudio" delay="0">
+                      <p:tgtEl>
+                        <p:sldTgt/>
+                      </p:tgtEl>
+                    </p:cond>
+                  </p:endCondLst>
+                </p:cTn>
+                <p:tgtEl>
+                  <p:spTgt spid="2"/>
+                </p:tgtEl>
+              </p:cMediaNode>
+            </p:audio>
+          </p:childTnLst>
+        </p:cTn>
+      </p:par>
+    </p:tnLst>
+  </p:timing>
 </p:sld>
 </file>
 
@@ -12132,7 +13336,7 @@
                 <a:avLst/>
               </a:prstGeom>
               <a:blipFill>
-                <a:blip r:embed="rId3"/>
+                <a:blip r:embed="rId5"/>
                 <a:stretch>
                   <a:fillRect l="-2657" t="-2538"/>
                 </a:stretch>
@@ -12203,6 +13407,44 @@
           </a:p>
         </p:txBody>
       </p:sp>
+      <p:pic>
+        <p:nvPicPr>
+          <p:cNvPr id="3" name="Audio Recording 12 Jan 2021 at 14:18:11" descr="Audio Recording 12 Jan 2021 at 14:18:11">
+            <a:hlinkClick r:id="" action="ppaction://media"/>
+            <a:extLst>
+              <a:ext uri="{FF2B5EF4-FFF2-40B4-BE49-F238E27FC236}">
+                <a16:creationId xmlns:a16="http://schemas.microsoft.com/office/drawing/2014/main" id="{4FA0900A-A658-0C43-9DDF-79B5033FDDE0}"/>
+              </a:ext>
+            </a:extLst>
+          </p:cNvPr>
+          <p:cNvPicPr>
+            <a:picLocks noChangeAspect="1"/>
+          </p:cNvPicPr>
+          <p:nvPr>
+            <a:audioFile r:link="rId2"/>
+            <p:extLst>
+              <p:ext uri="{DAA4B4D4-6D71-4841-9C94-3DE7FCFB9230}">
+                <p14:media xmlns:p14="http://schemas.microsoft.com/office/powerpoint/2010/main" r:embed="rId1"/>
+              </p:ext>
+            </p:extLst>
+          </p:nvPr>
+        </p:nvPicPr>
+        <p:blipFill>
+          <a:blip r:embed="rId6"/>
+          <a:stretch>
+            <a:fillRect/>
+          </a:stretch>
+        </p:blipFill>
+        <p:spPr>
+          <a:xfrm>
+            <a:off x="4633913" y="3373438"/>
+            <a:ext cx="812800" cy="812800"/>
+          </a:xfrm>
+          <a:prstGeom prst="rect">
+            <a:avLst/>
+          </a:prstGeom>
+        </p:spPr>
+      </p:pic>
     </p:spTree>
   </p:cSld>
   <p:clrMapOvr>
@@ -12211,6 +13453,90 @@
   <p:transition spd="slow">
     <p:cut/>
   </p:transition>
+  <p:timing>
+    <p:tnLst>
+      <p:par>
+        <p:cTn id="1" dur="indefinite" restart="never" nodeType="tmRoot">
+          <p:childTnLst>
+            <p:seq concurrent="1" nextAc="seek">
+              <p:cTn id="2" dur="indefinite" nodeType="mainSeq">
+                <p:childTnLst>
+                  <p:par>
+                    <p:cTn id="3" fill="hold">
+                      <p:stCondLst>
+                        <p:cond delay="indefinite"/>
+                      </p:stCondLst>
+                      <p:childTnLst>
+                        <p:par>
+                          <p:cTn id="4" fill="hold">
+                            <p:stCondLst>
+                              <p:cond delay="0"/>
+                            </p:stCondLst>
+                            <p:childTnLst>
+                              <p:par>
+                                <p:cTn id="5" presetID="1" presetClass="mediacall" presetSubtype="0" fill="hold" nodeType="clickEffect">
+                                  <p:stCondLst>
+                                    <p:cond delay="0"/>
+                                  </p:stCondLst>
+                                  <p:childTnLst>
+                                    <p:cmd type="call" cmd="playFrom(0.0)">
+                                      <p:cBhvr>
+                                        <p:cTn id="6" dur="65728" fill="hold"/>
+                                        <p:tgtEl>
+                                          <p:spTgt spid="3"/>
+                                        </p:tgtEl>
+                                      </p:cBhvr>
+                                    </p:cmd>
+                                  </p:childTnLst>
+                                </p:cTn>
+                              </p:par>
+                            </p:childTnLst>
+                          </p:cTn>
+                        </p:par>
+                      </p:childTnLst>
+                    </p:cTn>
+                  </p:par>
+                </p:childTnLst>
+              </p:cTn>
+              <p:prevCondLst>
+                <p:cond evt="onPrev" delay="0">
+                  <p:tgtEl>
+                    <p:sldTgt/>
+                  </p:tgtEl>
+                </p:cond>
+              </p:prevCondLst>
+              <p:nextCondLst>
+                <p:cond evt="onNext" delay="0">
+                  <p:tgtEl>
+                    <p:sldTgt/>
+                  </p:tgtEl>
+                </p:cond>
+              </p:nextCondLst>
+            </p:seq>
+            <p:audio>
+              <p:cMediaNode vol="80000">
+                <p:cTn id="7" fill="hold" display="0">
+                  <p:stCondLst>
+                    <p:cond delay="indefinite"/>
+                  </p:stCondLst>
+                  <p:endCondLst>
+                    <p:cond evt="onStopAudio" delay="0">
+                      <p:tgtEl>
+                        <p:sldTgt/>
+                      </p:tgtEl>
+                    </p:cond>
+                  </p:endCondLst>
+                </p:cTn>
+                <p:tgtEl>
+                  <p:spTgt spid="3"/>
+                </p:tgtEl>
+              </p:cMediaNode>
+            </p:audio>
+          </p:childTnLst>
+        </p:cTn>
+      </p:par>
+    </p:tnLst>
+  </p:timing>
 </p:sld>
 </file>
 

--- a/docs/ppt/GEOG0113-010.pptx
+++ b/docs/ppt/GEOG0113-010.pptx
@@ -8925,7 +8925,7 @@
               <a:buNone/>
             </a:pPr>
             <a:r>
-              <a:rPr lang="en-US" sz="3200" b="1" i="0" u="none" strike="noStrike" cap="none" baseline="0" dirty="0">
+              <a:rPr lang="en-US" sz="3200" b="1" i="0" u="none" strike="noStrike" cap="none" baseline="0" dirty="0" err="1">
                 <a:solidFill>
                   <a:srgbClr val="000000"/>
                 </a:solidFill>
@@ -8934,7 +8934,7 @@
                 <a:cs typeface="Arial"/>
                 <a:sym typeface="Arial"/>
               </a:rPr>
-              <a:t>P. Lewis</a:t>
+              <a:t>H.Heorton</a:t>
             </a:r>
             <a:endParaRPr lang="en-US" sz="3200" b="1" dirty="0"/>
           </a:p>
@@ -9018,44 +9018,6 @@
           </a:p>
         </p:txBody>
       </p:sp>
-      <p:pic>
-        <p:nvPicPr>
-          <p:cNvPr id="2" name="Audio Recording 12 Jan 2021 at 14:05:55" descr="Audio Recording 12 Jan 2021 at 14:05:55">
-            <a:hlinkClick r:id="" action="ppaction://media"/>
-            <a:extLst>
-              <a:ext uri="{FF2B5EF4-FFF2-40B4-BE49-F238E27FC236}">
-                <a16:creationId xmlns:a16="http://schemas.microsoft.com/office/drawing/2014/main" id="{98B65FD3-2696-F140-8939-000CC8B7A492}"/>
-              </a:ext>
-            </a:extLst>
-          </p:cNvPr>
-          <p:cNvPicPr>
-            <a:picLocks noChangeAspect="1"/>
-          </p:cNvPicPr>
-          <p:nvPr>
-            <a:audioFile r:link="rId2"/>
-            <p:extLst>
-              <p:ext uri="{DAA4B4D4-6D71-4841-9C94-3DE7FCFB9230}">
-                <p14:media xmlns:p14="http://schemas.microsoft.com/office/powerpoint/2010/main" r:embed="rId1"/>
-              </p:ext>
-            </p:extLst>
-          </p:nvPr>
-        </p:nvPicPr>
-        <p:blipFill>
-          <a:blip r:embed="rId5"/>
-          <a:stretch>
-            <a:fillRect/>
-          </a:stretch>
-        </p:blipFill>
-        <p:spPr>
-          <a:xfrm>
-            <a:off x="4633913" y="3373438"/>
-            <a:ext cx="812800" cy="812800"/>
-          </a:xfrm>
-          <a:prstGeom prst="rect">
-            <a:avLst/>
-          </a:prstGeom>
-        </p:spPr>
-      </p:pic>
     </p:spTree>
   </p:cSld>
   <p:clrMapOvr>
@@ -9064,90 +9026,6 @@
   <p:transition spd="slow">
     <p:cut/>
   </p:transition>
-  <p:timing>
-    <p:tnLst>
-      <p:par>
-        <p:cTn id="1" dur="indefinite" restart="never" nodeType="tmRoot">
-          <p:childTnLst>
-            <p:seq concurrent="1" nextAc="seek">
-              <p:cTn id="2" dur="indefinite" nodeType="mainSeq">
-                <p:childTnLst>
-                  <p:par>
-                    <p:cTn id="3" fill="hold">
-                      <p:stCondLst>
-                        <p:cond delay="indefinite"/>
-                      </p:stCondLst>
-                      <p:childTnLst>
-                        <p:par>
-                          <p:cTn id="4" fill="hold">
-                            <p:stCondLst>
-                              <p:cond delay="0"/>
-                            </p:stCondLst>
-                            <p:childTnLst>
-                              <p:par>
-                                <p:cTn id="5" presetID="1" presetClass="mediacall" presetSubtype="0" fill="hold" nodeType="clickEffect">
-                                  <p:stCondLst>
-                                    <p:cond delay="0"/>
-                                  </p:stCondLst>
-                                  <p:childTnLst>
-                                    <p:cmd type="call" cmd="playFrom(0.0)">
-                                      <p:cBhvr>
-                                        <p:cTn id="6" dur="42688" fill="hold"/>
-                                        <p:tgtEl>
-                                          <p:spTgt spid="2"/>
-                                        </p:tgtEl>
-                                      </p:cBhvr>
-                                    </p:cmd>
-                                  </p:childTnLst>
-                                </p:cTn>
-                              </p:par>
-                            </p:childTnLst>
-                          </p:cTn>
-                        </p:par>
-                      </p:childTnLst>
-                    </p:cTn>
-                  </p:par>
-                </p:childTnLst>
-              </p:cTn>
-              <p:prevCondLst>
-                <p:cond evt="onPrev" delay="0">
-                  <p:tgtEl>
-                    <p:sldTgt/>
-                  </p:tgtEl>
-                </p:cond>
-              </p:prevCondLst>
-              <p:nextCondLst>
-                <p:cond evt="onNext" delay="0">
-                  <p:tgtEl>
-                    <p:sldTgt/>
-                  </p:tgtEl>
-                </p:cond>
-              </p:nextCondLst>
-            </p:seq>
-            <p:audio>
-              <p:cMediaNode vol="80000">
-                <p:cTn id="7" fill="hold" display="0">
-                  <p:stCondLst>
-                    <p:cond delay="indefinite"/>
-                  </p:stCondLst>
-                  <p:endCondLst>
-                    <p:cond evt="onStopAudio" delay="0">
-                      <p:tgtEl>
-                        <p:sldTgt/>
-                      </p:tgtEl>
-                    </p:cond>
-                  </p:endCondLst>
-                </p:cTn>
-                <p:tgtEl>
-                  <p:spTgt spid="2"/>
-                </p:tgtEl>
-              </p:cMediaNode>
-            </p:audio>
-          </p:childTnLst>
-        </p:cTn>
-      </p:par>
-    </p:tnLst>
-  </p:timing>
 </p:sld>
 </file>
 
@@ -9543,44 +9421,6 @@
           </a:p>
         </p:txBody>
       </p:sp>
-      <p:pic>
-        <p:nvPicPr>
-          <p:cNvPr id="2" name="Audio Recording 12 Jan 2021 at 14:18:52" descr="Audio Recording 12 Jan 2021 at 14:18:52">
-            <a:hlinkClick r:id="" action="ppaction://media"/>
-            <a:extLst>
-              <a:ext uri="{FF2B5EF4-FFF2-40B4-BE49-F238E27FC236}">
-                <a16:creationId xmlns:a16="http://schemas.microsoft.com/office/drawing/2014/main" id="{078B7B75-4A88-E547-8493-65EC8EC5F896}"/>
-              </a:ext>
-            </a:extLst>
-          </p:cNvPr>
-          <p:cNvPicPr>
-            <a:picLocks noChangeAspect="1"/>
-          </p:cNvPicPr>
-          <p:nvPr>
-            <a:audioFile r:link="rId2"/>
-            <p:extLst>
-              <p:ext uri="{DAA4B4D4-6D71-4841-9C94-3DE7FCFB9230}">
-                <p14:media xmlns:p14="http://schemas.microsoft.com/office/powerpoint/2010/main" r:embed="rId1"/>
-              </p:ext>
-            </p:extLst>
-          </p:nvPr>
-        </p:nvPicPr>
-        <p:blipFill>
-          <a:blip r:embed="rId5"/>
-          <a:stretch>
-            <a:fillRect/>
-          </a:stretch>
-        </p:blipFill>
-        <p:spPr>
-          <a:xfrm>
-            <a:off x="4633913" y="3373438"/>
-            <a:ext cx="812800" cy="812800"/>
-          </a:xfrm>
-          <a:prstGeom prst="rect">
-            <a:avLst/>
-          </a:prstGeom>
-        </p:spPr>
-      </p:pic>
     </p:spTree>
   </p:cSld>
   <p:clrMapOvr>
@@ -9589,90 +9429,6 @@
   <p:transition spd="slow">
     <p:cut/>
   </p:transition>
-  <p:timing>
-    <p:tnLst>
-      <p:par>
-        <p:cTn id="1" dur="indefinite" restart="never" nodeType="tmRoot">
-          <p:childTnLst>
-            <p:seq concurrent="1" nextAc="seek">
-              <p:cTn id="2" dur="indefinite" nodeType="mainSeq">
-                <p:childTnLst>
-                  <p:par>
-                    <p:cTn id="3" fill="hold">
-                      <p:stCondLst>
-                        <p:cond delay="indefinite"/>
-                      </p:stCondLst>
-                      <p:childTnLst>
-                        <p:par>
-                          <p:cTn id="4" fill="hold">
-                            <p:stCondLst>
-                              <p:cond delay="0"/>
-                            </p:stCondLst>
-                            <p:childTnLst>
-                              <p:par>
-                                <p:cTn id="5" presetID="1" presetClass="mediacall" presetSubtype="0" fill="hold" nodeType="clickEffect">
-                                  <p:stCondLst>
-                                    <p:cond delay="0"/>
-                                  </p:stCondLst>
-                                  <p:childTnLst>
-                                    <p:cmd type="call" cmd="playFrom(0.0)">
-                                      <p:cBhvr>
-                                        <p:cTn id="6" dur="33664" fill="hold"/>
-                                        <p:tgtEl>
-                                          <p:spTgt spid="2"/>
-                                        </p:tgtEl>
-                                      </p:cBhvr>
-                                    </p:cmd>
-                                  </p:childTnLst>
-                                </p:cTn>
-                              </p:par>
-                            </p:childTnLst>
-                          </p:cTn>
-                        </p:par>
-                      </p:childTnLst>
-                    </p:cTn>
-                  </p:par>
-                </p:childTnLst>
-              </p:cTn>
-              <p:prevCondLst>
-                <p:cond evt="onPrev" delay="0">
-                  <p:tgtEl>
-                    <p:sldTgt/>
-                  </p:tgtEl>
-                </p:cond>
-              </p:prevCondLst>
-              <p:nextCondLst>
-                <p:cond evt="onNext" delay="0">
-                  <p:tgtEl>
-                    <p:sldTgt/>
-                  </p:tgtEl>
-                </p:cond>
-              </p:nextCondLst>
-            </p:seq>
-            <p:audio>
-              <p:cMediaNode vol="80000">
-                <p:cTn id="7" fill="hold" display="0">
-                  <p:stCondLst>
-                    <p:cond delay="indefinite"/>
-                  </p:stCondLst>
-                  <p:endCondLst>
-                    <p:cond evt="onStopAudio" delay="0">
-                      <p:tgtEl>
-                        <p:sldTgt/>
-                      </p:tgtEl>
-                    </p:cond>
-                  </p:endCondLst>
-                </p:cTn>
-                <p:tgtEl>
-                  <p:spTgt spid="2"/>
-                </p:tgtEl>
-              </p:cMediaNode>
-            </p:audio>
-          </p:childTnLst>
-        </p:cTn>
-      </p:par>
-    </p:tnLst>
-  </p:timing>
 </p:sld>
 </file>
 
@@ -9843,7 +9599,7 @@
             </a:r>
             <a:r>
               <a:rPr lang="en-GB" dirty="0">
-                <a:hlinkClick r:id="rId5"/>
+                <a:hlinkClick r:id="rId3"/>
               </a:rPr>
               <a:t>download</a:t>
             </a:r>
@@ -9929,7 +9685,7 @@
             </a:r>
             <a:r>
               <a:rPr lang="en-GB" dirty="0">
-                <a:hlinkClick r:id="rId6"/>
+                <a:hlinkClick r:id="rId4"/>
               </a:rPr>
               <a:t>available online</a:t>
             </a:r>
@@ -9951,7 +9707,7 @@
             </a:r>
             <a:r>
               <a:rPr lang="en-GB" dirty="0">
-                <a:hlinkClick r:id="rId7"/>
+                <a:hlinkClick r:id="rId5"/>
               </a:rPr>
               <a:t>The interpretation of variations in leaf water potential and stomatal conductance found in canopies in the field</a:t>
             </a:r>
@@ -9983,44 +9739,6 @@
           </a:p>
         </p:txBody>
       </p:sp>
-      <p:pic>
-        <p:nvPicPr>
-          <p:cNvPr id="2" name="Audio Recording 12 Jan 2021 at 14:19:29" descr="Audio Recording 12 Jan 2021 at 14:19:29">
-            <a:hlinkClick r:id="" action="ppaction://media"/>
-            <a:extLst>
-              <a:ext uri="{FF2B5EF4-FFF2-40B4-BE49-F238E27FC236}">
-                <a16:creationId xmlns:a16="http://schemas.microsoft.com/office/drawing/2014/main" id="{8AE7BEBB-BDAD-1641-8275-C3F3BC25A5A7}"/>
-              </a:ext>
-            </a:extLst>
-          </p:cNvPr>
-          <p:cNvPicPr>
-            <a:picLocks noChangeAspect="1"/>
-          </p:cNvPicPr>
-          <p:nvPr>
-            <a:audioFile r:link="rId2"/>
-            <p:extLst>
-              <p:ext uri="{DAA4B4D4-6D71-4841-9C94-3DE7FCFB9230}">
-                <p14:media xmlns:p14="http://schemas.microsoft.com/office/powerpoint/2010/main" r:embed="rId1"/>
-              </p:ext>
-            </p:extLst>
-          </p:nvPr>
-        </p:nvPicPr>
-        <p:blipFill>
-          <a:blip r:embed="rId8"/>
-          <a:stretch>
-            <a:fillRect/>
-          </a:stretch>
-        </p:blipFill>
-        <p:spPr>
-          <a:xfrm>
-            <a:off x="4633913" y="3373438"/>
-            <a:ext cx="812800" cy="812800"/>
-          </a:xfrm>
-          <a:prstGeom prst="rect">
-            <a:avLst/>
-          </a:prstGeom>
-        </p:spPr>
-      </p:pic>
     </p:spTree>
   </p:cSld>
   <p:clrMapOvr>
@@ -10029,90 +9747,6 @@
   <p:transition spd="slow">
     <p:cut/>
   </p:transition>
-  <p:timing>
-    <p:tnLst>
-      <p:par>
-        <p:cTn id="1" dur="indefinite" restart="never" nodeType="tmRoot">
-          <p:childTnLst>
-            <p:seq concurrent="1" nextAc="seek">
-              <p:cTn id="2" dur="indefinite" nodeType="mainSeq">
-                <p:childTnLst>
-                  <p:par>
-                    <p:cTn id="3" fill="hold">
-                      <p:stCondLst>
-                        <p:cond delay="indefinite"/>
-                      </p:stCondLst>
-                      <p:childTnLst>
-                        <p:par>
-                          <p:cTn id="4" fill="hold">
-                            <p:stCondLst>
-                              <p:cond delay="0"/>
-                            </p:stCondLst>
-                            <p:childTnLst>
-                              <p:par>
-                                <p:cTn id="5" presetID="1" presetClass="mediacall" presetSubtype="0" fill="hold" nodeType="clickEffect">
-                                  <p:stCondLst>
-                                    <p:cond delay="0"/>
-                                  </p:stCondLst>
-                                  <p:childTnLst>
-                                    <p:cmd type="call" cmd="playFrom(0.0)">
-                                      <p:cBhvr>
-                                        <p:cTn id="6" dur="31680" fill="hold"/>
-                                        <p:tgtEl>
-                                          <p:spTgt spid="2"/>
-                                        </p:tgtEl>
-                                      </p:cBhvr>
-                                    </p:cmd>
-                                  </p:childTnLst>
-                                </p:cTn>
-                              </p:par>
-                            </p:childTnLst>
-                          </p:cTn>
-                        </p:par>
-                      </p:childTnLst>
-                    </p:cTn>
-                  </p:par>
-                </p:childTnLst>
-              </p:cTn>
-              <p:prevCondLst>
-                <p:cond evt="onPrev" delay="0">
-                  <p:tgtEl>
-                    <p:sldTgt/>
-                  </p:tgtEl>
-                </p:cond>
-              </p:prevCondLst>
-              <p:nextCondLst>
-                <p:cond evt="onNext" delay="0">
-                  <p:tgtEl>
-                    <p:sldTgt/>
-                  </p:tgtEl>
-                </p:cond>
-              </p:nextCondLst>
-            </p:seq>
-            <p:audio>
-              <p:cMediaNode vol="80000">
-                <p:cTn id="7" fill="hold" display="0">
-                  <p:stCondLst>
-                    <p:cond delay="indefinite"/>
-                  </p:stCondLst>
-                  <p:endCondLst>
-                    <p:cond evt="onStopAudio" delay="0">
-                      <p:tgtEl>
-                        <p:sldTgt/>
-                      </p:tgtEl>
-                    </p:cond>
-                  </p:endCondLst>
-                </p:cTn>
-                <p:tgtEl>
-                  <p:spTgt spid="2"/>
-                </p:tgtEl>
-              </p:cMediaNode>
-            </p:audio>
-          </p:childTnLst>
-        </p:cTn>
-      </p:par>
-    </p:tnLst>
-  </p:timing>
 </p:sld>
 </file>
 
@@ -10474,44 +10108,6 @@
           </a:p>
         </p:txBody>
       </p:sp>
-      <p:pic>
-        <p:nvPicPr>
-          <p:cNvPr id="2" name="Audio Recording 12 Jan 2021 at 14:06:15" descr="Audio Recording 12 Jan 2021 at 14:06:15">
-            <a:hlinkClick r:id="" action="ppaction://media"/>
-            <a:extLst>
-              <a:ext uri="{FF2B5EF4-FFF2-40B4-BE49-F238E27FC236}">
-                <a16:creationId xmlns:a16="http://schemas.microsoft.com/office/drawing/2014/main" id="{AAE0237F-C143-A441-A9F1-07E1C7B4131E}"/>
-              </a:ext>
-            </a:extLst>
-          </p:cNvPr>
-          <p:cNvPicPr>
-            <a:picLocks noChangeAspect="1"/>
-          </p:cNvPicPr>
-          <p:nvPr>
-            <a:audioFile r:link="rId2"/>
-            <p:extLst>
-              <p:ext uri="{DAA4B4D4-6D71-4841-9C94-3DE7FCFB9230}">
-                <p14:media xmlns:p14="http://schemas.microsoft.com/office/powerpoint/2010/main" r:embed="rId1"/>
-              </p:ext>
-            </p:extLst>
-          </p:nvPr>
-        </p:nvPicPr>
-        <p:blipFill>
-          <a:blip r:embed="rId5"/>
-          <a:stretch>
-            <a:fillRect/>
-          </a:stretch>
-        </p:blipFill>
-        <p:spPr>
-          <a:xfrm>
-            <a:off x="4633913" y="3373438"/>
-            <a:ext cx="812800" cy="812800"/>
-          </a:xfrm>
-          <a:prstGeom prst="rect">
-            <a:avLst/>
-          </a:prstGeom>
-        </p:spPr>
-      </p:pic>
     </p:spTree>
   </p:cSld>
   <p:clrMapOvr>
@@ -10520,90 +10116,6 @@
   <p:transition spd="slow">
     <p:cut/>
   </p:transition>
-  <p:timing>
-    <p:tnLst>
-      <p:par>
-        <p:cTn id="1" dur="indefinite" restart="never" nodeType="tmRoot">
-          <p:childTnLst>
-            <p:seq concurrent="1" nextAc="seek">
-              <p:cTn id="2" dur="indefinite" nodeType="mainSeq">
-                <p:childTnLst>
-                  <p:par>
-                    <p:cTn id="3" fill="hold">
-                      <p:stCondLst>
-                        <p:cond delay="indefinite"/>
-                      </p:stCondLst>
-                      <p:childTnLst>
-                        <p:par>
-                          <p:cTn id="4" fill="hold">
-                            <p:stCondLst>
-                              <p:cond delay="0"/>
-                            </p:stCondLst>
-                            <p:childTnLst>
-                              <p:par>
-                                <p:cTn id="5" presetID="1" presetClass="mediacall" presetSubtype="0" fill="hold" nodeType="clickEffect">
-                                  <p:stCondLst>
-                                    <p:cond delay="0"/>
-                                  </p:stCondLst>
-                                  <p:childTnLst>
-                                    <p:cmd type="call" cmd="playFrom(0.0)">
-                                      <p:cBhvr>
-                                        <p:cTn id="6" dur="10880" fill="hold"/>
-                                        <p:tgtEl>
-                                          <p:spTgt spid="2"/>
-                                        </p:tgtEl>
-                                      </p:cBhvr>
-                                    </p:cmd>
-                                  </p:childTnLst>
-                                </p:cTn>
-                              </p:par>
-                            </p:childTnLst>
-                          </p:cTn>
-                        </p:par>
-                      </p:childTnLst>
-                    </p:cTn>
-                  </p:par>
-                </p:childTnLst>
-              </p:cTn>
-              <p:prevCondLst>
-                <p:cond evt="onPrev" delay="0">
-                  <p:tgtEl>
-                    <p:sldTgt/>
-                  </p:tgtEl>
-                </p:cond>
-              </p:prevCondLst>
-              <p:nextCondLst>
-                <p:cond evt="onNext" delay="0">
-                  <p:tgtEl>
-                    <p:sldTgt/>
-                  </p:tgtEl>
-                </p:cond>
-              </p:nextCondLst>
-            </p:seq>
-            <p:audio>
-              <p:cMediaNode vol="80000">
-                <p:cTn id="7" fill="hold" display="0">
-                  <p:stCondLst>
-                    <p:cond delay="indefinite"/>
-                  </p:stCondLst>
-                  <p:endCondLst>
-                    <p:cond evt="onStopAudio" delay="0">
-                      <p:tgtEl>
-                        <p:sldTgt/>
-                      </p:tgtEl>
-                    </p:cond>
-                  </p:endCondLst>
-                </p:cTn>
-                <p:tgtEl>
-                  <p:spTgt spid="2"/>
-                </p:tgtEl>
-              </p:cMediaNode>
-            </p:audio>
-          </p:childTnLst>
-        </p:cTn>
-      </p:par>
-    </p:tnLst>
-  </p:timing>
 </p:sld>
 </file>
 
@@ -10747,7 +10259,7 @@
           <p:nvPr/>
         </p:nvPicPr>
         <p:blipFill>
-          <a:blip r:embed="rId5"/>
+          <a:blip r:embed="rId3"/>
           <a:stretch>
             <a:fillRect/>
           </a:stretch>
@@ -10994,44 +10506,6 @@
           </a:p>
         </p:txBody>
       </p:sp>
-      <p:pic>
-        <p:nvPicPr>
-          <p:cNvPr id="3" name="Audio Recording 12 Jan 2021 at 14:11:36" descr="Audio Recording 12 Jan 2021 at 14:11:36">
-            <a:hlinkClick r:id="" action="ppaction://media"/>
-            <a:extLst>
-              <a:ext uri="{FF2B5EF4-FFF2-40B4-BE49-F238E27FC236}">
-                <a16:creationId xmlns:a16="http://schemas.microsoft.com/office/drawing/2014/main" id="{E63C43B7-70E0-BC43-9205-4F94413A5141}"/>
-              </a:ext>
-            </a:extLst>
-          </p:cNvPr>
-          <p:cNvPicPr>
-            <a:picLocks noChangeAspect="1"/>
-          </p:cNvPicPr>
-          <p:nvPr>
-            <a:audioFile r:link="rId2"/>
-            <p:extLst>
-              <p:ext uri="{DAA4B4D4-6D71-4841-9C94-3DE7FCFB9230}">
-                <p14:media xmlns:p14="http://schemas.microsoft.com/office/powerpoint/2010/main" r:embed="rId1"/>
-              </p:ext>
-            </p:extLst>
-          </p:nvPr>
-        </p:nvPicPr>
-        <p:blipFill>
-          <a:blip r:embed="rId6"/>
-          <a:stretch>
-            <a:fillRect/>
-          </a:stretch>
-        </p:blipFill>
-        <p:spPr>
-          <a:xfrm>
-            <a:off x="4633913" y="3373438"/>
-            <a:ext cx="812800" cy="812800"/>
-          </a:xfrm>
-          <a:prstGeom prst="rect">
-            <a:avLst/>
-          </a:prstGeom>
-        </p:spPr>
-      </p:pic>
     </p:spTree>
   </p:cSld>
   <p:clrMapOvr>
@@ -11040,90 +10514,6 @@
   <p:transition spd="slow">
     <p:cut/>
   </p:transition>
-  <p:timing>
-    <p:tnLst>
-      <p:par>
-        <p:cTn id="1" dur="indefinite" restart="never" nodeType="tmRoot">
-          <p:childTnLst>
-            <p:seq concurrent="1" nextAc="seek">
-              <p:cTn id="2" dur="indefinite" nodeType="mainSeq">
-                <p:childTnLst>
-                  <p:par>
-                    <p:cTn id="3" fill="hold">
-                      <p:stCondLst>
-                        <p:cond delay="indefinite"/>
-                      </p:stCondLst>
-                      <p:childTnLst>
-                        <p:par>
-                          <p:cTn id="4" fill="hold">
-                            <p:stCondLst>
-                              <p:cond delay="0"/>
-                            </p:stCondLst>
-                            <p:childTnLst>
-                              <p:par>
-                                <p:cTn id="5" presetID="1" presetClass="mediacall" presetSubtype="0" fill="hold" nodeType="clickEffect">
-                                  <p:stCondLst>
-                                    <p:cond delay="0"/>
-                                  </p:stCondLst>
-                                  <p:childTnLst>
-                                    <p:cmd type="call" cmd="playFrom(0.0)">
-                                      <p:cBhvr>
-                                        <p:cTn id="6" dur="242624" fill="hold"/>
-                                        <p:tgtEl>
-                                          <p:spTgt spid="3"/>
-                                        </p:tgtEl>
-                                      </p:cBhvr>
-                                    </p:cmd>
-                                  </p:childTnLst>
-                                </p:cTn>
-                              </p:par>
-                            </p:childTnLst>
-                          </p:cTn>
-                        </p:par>
-                      </p:childTnLst>
-                    </p:cTn>
-                  </p:par>
-                </p:childTnLst>
-              </p:cTn>
-              <p:prevCondLst>
-                <p:cond evt="onPrev" delay="0">
-                  <p:tgtEl>
-                    <p:sldTgt/>
-                  </p:tgtEl>
-                </p:cond>
-              </p:prevCondLst>
-              <p:nextCondLst>
-                <p:cond evt="onNext" delay="0">
-                  <p:tgtEl>
-                    <p:sldTgt/>
-                  </p:tgtEl>
-                </p:cond>
-              </p:nextCondLst>
-            </p:seq>
-            <p:audio>
-              <p:cMediaNode vol="80000">
-                <p:cTn id="7" fill="hold" display="0">
-                  <p:stCondLst>
-                    <p:cond delay="indefinite"/>
-                  </p:stCondLst>
-                  <p:endCondLst>
-                    <p:cond evt="onStopAudio" delay="0">
-                      <p:tgtEl>
-                        <p:sldTgt/>
-                      </p:tgtEl>
-                    </p:cond>
-                  </p:endCondLst>
-                </p:cTn>
-                <p:tgtEl>
-                  <p:spTgt spid="3"/>
-                </p:tgtEl>
-              </p:cMediaNode>
-            </p:audio>
-          </p:childTnLst>
-        </p:cTn>
-      </p:par>
-    </p:tnLst>
-  </p:timing>
 </p:sld>
 </file>
 
@@ -11186,7 +10576,7 @@
           <p:nvPr/>
         </p:nvPicPr>
         <p:blipFill>
-          <a:blip r:embed="rId5"/>
+          <a:blip r:embed="rId3"/>
           <a:stretch>
             <a:fillRect/>
           </a:stretch>
@@ -11240,44 +10630,6 @@
           </a:p>
         </p:txBody>
       </p:sp>
-      <p:pic>
-        <p:nvPicPr>
-          <p:cNvPr id="2" name="Audio Recording 12 Jan 2021 at 14:12:36" descr="Audio Recording 12 Jan 2021 at 14:12:36">
-            <a:hlinkClick r:id="" action="ppaction://media"/>
-            <a:extLst>
-              <a:ext uri="{FF2B5EF4-FFF2-40B4-BE49-F238E27FC236}">
-                <a16:creationId xmlns:a16="http://schemas.microsoft.com/office/drawing/2014/main" id="{4B143635-CED8-A645-93F0-3EA41F10B72C}"/>
-              </a:ext>
-            </a:extLst>
-          </p:cNvPr>
-          <p:cNvPicPr>
-            <a:picLocks noChangeAspect="1"/>
-          </p:cNvPicPr>
-          <p:nvPr>
-            <a:audioFile r:link="rId2"/>
-            <p:extLst>
-              <p:ext uri="{DAA4B4D4-6D71-4841-9C94-3DE7FCFB9230}">
-                <p14:media xmlns:p14="http://schemas.microsoft.com/office/powerpoint/2010/main" r:embed="rId1"/>
-              </p:ext>
-            </p:extLst>
-          </p:nvPr>
-        </p:nvPicPr>
-        <p:blipFill>
-          <a:blip r:embed="rId6"/>
-          <a:stretch>
-            <a:fillRect/>
-          </a:stretch>
-        </p:blipFill>
-        <p:spPr>
-          <a:xfrm>
-            <a:off x="4633913" y="3373438"/>
-            <a:ext cx="812800" cy="812800"/>
-          </a:xfrm>
-          <a:prstGeom prst="rect">
-            <a:avLst/>
-          </a:prstGeom>
-        </p:spPr>
-      </p:pic>
     </p:spTree>
   </p:cSld>
   <p:clrMapOvr>
@@ -11286,90 +10638,6 @@
   <p:transition spd="slow">
     <p:cut/>
   </p:transition>
-  <p:timing>
-    <p:tnLst>
-      <p:par>
-        <p:cTn id="1" dur="indefinite" restart="never" nodeType="tmRoot">
-          <p:childTnLst>
-            <p:seq concurrent="1" nextAc="seek">
-              <p:cTn id="2" dur="indefinite" nodeType="mainSeq">
-                <p:childTnLst>
-                  <p:par>
-                    <p:cTn id="3" fill="hold">
-                      <p:stCondLst>
-                        <p:cond delay="indefinite"/>
-                      </p:stCondLst>
-                      <p:childTnLst>
-                        <p:par>
-                          <p:cTn id="4" fill="hold">
-                            <p:stCondLst>
-                              <p:cond delay="0"/>
-                            </p:stCondLst>
-                            <p:childTnLst>
-                              <p:par>
-                                <p:cTn id="5" presetID="1" presetClass="mediacall" presetSubtype="0" fill="hold" nodeType="clickEffect">
-                                  <p:stCondLst>
-                                    <p:cond delay="0"/>
-                                  </p:stCondLst>
-                                  <p:childTnLst>
-                                    <p:cmd type="call" cmd="playFrom(0.0)">
-                                      <p:cBhvr>
-                                        <p:cTn id="6" dur="50816" fill="hold"/>
-                                        <p:tgtEl>
-                                          <p:spTgt spid="2"/>
-                                        </p:tgtEl>
-                                      </p:cBhvr>
-                                    </p:cmd>
-                                  </p:childTnLst>
-                                </p:cTn>
-                              </p:par>
-                            </p:childTnLst>
-                          </p:cTn>
-                        </p:par>
-                      </p:childTnLst>
-                    </p:cTn>
-                  </p:par>
-                </p:childTnLst>
-              </p:cTn>
-              <p:prevCondLst>
-                <p:cond evt="onPrev" delay="0">
-                  <p:tgtEl>
-                    <p:sldTgt/>
-                  </p:tgtEl>
-                </p:cond>
-              </p:prevCondLst>
-              <p:nextCondLst>
-                <p:cond evt="onNext" delay="0">
-                  <p:tgtEl>
-                    <p:sldTgt/>
-                  </p:tgtEl>
-                </p:cond>
-              </p:nextCondLst>
-            </p:seq>
-            <p:audio>
-              <p:cMediaNode vol="80000">
-                <p:cTn id="7" fill="hold" display="0">
-                  <p:stCondLst>
-                    <p:cond delay="indefinite"/>
-                  </p:stCondLst>
-                  <p:endCondLst>
-                    <p:cond evt="onStopAudio" delay="0">
-                      <p:tgtEl>
-                        <p:sldTgt/>
-                      </p:tgtEl>
-                    </p:cond>
-                  </p:endCondLst>
-                </p:cTn>
-                <p:tgtEl>
-                  <p:spTgt spid="2"/>
-                </p:tgtEl>
-              </p:cMediaNode>
-            </p:audio>
-          </p:childTnLst>
-        </p:cTn>
-      </p:par>
-    </p:tnLst>
-  </p:timing>
 </p:sld>
 </file>
 
@@ -11397,7 +10665,7 @@
           <p:nvPr/>
         </p:nvPicPr>
         <p:blipFill>
-          <a:blip r:embed="rId5"/>
+          <a:blip r:embed="rId3"/>
           <a:stretch>
             <a:fillRect/>
           </a:stretch>
@@ -11451,44 +10719,6 @@
           </a:p>
         </p:txBody>
       </p:sp>
-      <p:pic>
-        <p:nvPicPr>
-          <p:cNvPr id="2" name="Audio Recording 12 Jan 2021 at 14:13:06" descr="Audio Recording 12 Jan 2021 at 14:13:06">
-            <a:hlinkClick r:id="" action="ppaction://media"/>
-            <a:extLst>
-              <a:ext uri="{FF2B5EF4-FFF2-40B4-BE49-F238E27FC236}">
-                <a16:creationId xmlns:a16="http://schemas.microsoft.com/office/drawing/2014/main" id="{92F90A61-9A6E-4143-99DD-A930068836F0}"/>
-              </a:ext>
-            </a:extLst>
-          </p:cNvPr>
-          <p:cNvPicPr>
-            <a:picLocks noChangeAspect="1"/>
-          </p:cNvPicPr>
-          <p:nvPr>
-            <a:audioFile r:link="rId2"/>
-            <p:extLst>
-              <p:ext uri="{DAA4B4D4-6D71-4841-9C94-3DE7FCFB9230}">
-                <p14:media xmlns:p14="http://schemas.microsoft.com/office/powerpoint/2010/main" r:embed="rId1"/>
-              </p:ext>
-            </p:extLst>
-          </p:nvPr>
-        </p:nvPicPr>
-        <p:blipFill>
-          <a:blip r:embed="rId6"/>
-          <a:stretch>
-            <a:fillRect/>
-          </a:stretch>
-        </p:blipFill>
-        <p:spPr>
-          <a:xfrm>
-            <a:off x="4633913" y="3373438"/>
-            <a:ext cx="812800" cy="812800"/>
-          </a:xfrm>
-          <a:prstGeom prst="rect">
-            <a:avLst/>
-          </a:prstGeom>
-        </p:spPr>
-      </p:pic>
     </p:spTree>
   </p:cSld>
   <p:clrMapOvr>
@@ -11497,90 +10727,6 @@
   <p:transition spd="slow">
     <p:cut/>
   </p:transition>
-  <p:timing>
-    <p:tnLst>
-      <p:par>
-        <p:cTn id="1" dur="indefinite" restart="never" nodeType="tmRoot">
-          <p:childTnLst>
-            <p:seq concurrent="1" nextAc="seek">
-              <p:cTn id="2" dur="indefinite" nodeType="mainSeq">
-                <p:childTnLst>
-                  <p:par>
-                    <p:cTn id="3" fill="hold">
-                      <p:stCondLst>
-                        <p:cond delay="indefinite"/>
-                      </p:stCondLst>
-                      <p:childTnLst>
-                        <p:par>
-                          <p:cTn id="4" fill="hold">
-                            <p:stCondLst>
-                              <p:cond delay="0"/>
-                            </p:stCondLst>
-                            <p:childTnLst>
-                              <p:par>
-                                <p:cTn id="5" presetID="1" presetClass="mediacall" presetSubtype="0" fill="hold" nodeType="clickEffect">
-                                  <p:stCondLst>
-                                    <p:cond delay="0"/>
-                                  </p:stCondLst>
-                                  <p:childTnLst>
-                                    <p:cmd type="call" cmd="playFrom(0.0)">
-                                      <p:cBhvr>
-                                        <p:cTn id="6" dur="20864" fill="hold"/>
-                                        <p:tgtEl>
-                                          <p:spTgt spid="2"/>
-                                        </p:tgtEl>
-                                      </p:cBhvr>
-                                    </p:cmd>
-                                  </p:childTnLst>
-                                </p:cTn>
-                              </p:par>
-                            </p:childTnLst>
-                          </p:cTn>
-                        </p:par>
-                      </p:childTnLst>
-                    </p:cTn>
-                  </p:par>
-                </p:childTnLst>
-              </p:cTn>
-              <p:prevCondLst>
-                <p:cond evt="onPrev" delay="0">
-                  <p:tgtEl>
-                    <p:sldTgt/>
-                  </p:tgtEl>
-                </p:cond>
-              </p:prevCondLst>
-              <p:nextCondLst>
-                <p:cond evt="onNext" delay="0">
-                  <p:tgtEl>
-                    <p:sldTgt/>
-                  </p:tgtEl>
-                </p:cond>
-              </p:nextCondLst>
-            </p:seq>
-            <p:audio>
-              <p:cMediaNode vol="80000">
-                <p:cTn id="7" fill="hold" display="0">
-                  <p:stCondLst>
-                    <p:cond delay="indefinite"/>
-                  </p:stCondLst>
-                  <p:endCondLst>
-                    <p:cond evt="onStopAudio" delay="0">
-                      <p:tgtEl>
-                        <p:sldTgt/>
-                      </p:tgtEl>
-                    </p:cond>
-                  </p:endCondLst>
-                </p:cTn>
-                <p:tgtEl>
-                  <p:spTgt spid="2"/>
-                </p:tgtEl>
-              </p:cMediaNode>
-            </p:audio>
-          </p:childTnLst>
-        </p:cTn>
-      </p:par>
-    </p:tnLst>
-  </p:timing>
 </p:sld>
 </file>
 
@@ -11763,7 +10909,7 @@
           <p:nvPr/>
         </p:nvPicPr>
         <p:blipFill>
-          <a:blip r:embed="rId5"/>
+          <a:blip r:embed="rId3"/>
           <a:stretch>
             <a:fillRect/>
           </a:stretch>
@@ -11785,7 +10931,7 @@
           <p:nvPr/>
         </p:nvPicPr>
         <p:blipFill>
-          <a:blip r:embed="rId6"/>
+          <a:blip r:embed="rId4"/>
           <a:stretch>
             <a:fillRect/>
           </a:stretch>
@@ -12228,44 +11374,6 @@
           </a:p>
         </p:txBody>
       </p:sp>
-      <p:pic>
-        <p:nvPicPr>
-          <p:cNvPr id="2" name="Audio Recording 12 Jan 2021 at 14:14:28" descr="Audio Recording 12 Jan 2021 at 14:14:28">
-            <a:hlinkClick r:id="" action="ppaction://media"/>
-            <a:extLst>
-              <a:ext uri="{FF2B5EF4-FFF2-40B4-BE49-F238E27FC236}">
-                <a16:creationId xmlns:a16="http://schemas.microsoft.com/office/drawing/2014/main" id="{0D2B0972-0937-484B-89EB-5BB5DD7524D3}"/>
-              </a:ext>
-            </a:extLst>
-          </p:cNvPr>
-          <p:cNvPicPr>
-            <a:picLocks noChangeAspect="1"/>
-          </p:cNvPicPr>
-          <p:nvPr>
-            <a:audioFile r:link="rId2"/>
-            <p:extLst>
-              <p:ext uri="{DAA4B4D4-6D71-4841-9C94-3DE7FCFB9230}">
-                <p14:media xmlns:p14="http://schemas.microsoft.com/office/powerpoint/2010/main" r:embed="rId1"/>
-              </p:ext>
-            </p:extLst>
-          </p:nvPr>
-        </p:nvPicPr>
-        <p:blipFill>
-          <a:blip r:embed="rId7"/>
-          <a:stretch>
-            <a:fillRect/>
-          </a:stretch>
-        </p:blipFill>
-        <p:spPr>
-          <a:xfrm>
-            <a:off x="4633913" y="3373438"/>
-            <a:ext cx="812800" cy="812800"/>
-          </a:xfrm>
-          <a:prstGeom prst="rect">
-            <a:avLst/>
-          </a:prstGeom>
-        </p:spPr>
-      </p:pic>
     </p:spTree>
   </p:cSld>
   <p:clrMapOvr>
@@ -12274,90 +11382,6 @@
   <p:transition spd="slow">
     <p:cut/>
   </p:transition>
-  <p:timing>
-    <p:tnLst>
-      <p:par>
-        <p:cTn id="1" dur="indefinite" restart="never" nodeType="tmRoot">
-          <p:childTnLst>
-            <p:seq concurrent="1" nextAc="seek">
-              <p:cTn id="2" dur="indefinite" nodeType="mainSeq">
-                <p:childTnLst>
-                  <p:par>
-                    <p:cTn id="3" fill="hold">
-                      <p:stCondLst>
-                        <p:cond delay="indefinite"/>
-                      </p:stCondLst>
-                      <p:childTnLst>
-                        <p:par>
-                          <p:cTn id="4" fill="hold">
-                            <p:stCondLst>
-                              <p:cond delay="0"/>
-                            </p:stCondLst>
-                            <p:childTnLst>
-                              <p:par>
-                                <p:cTn id="5" presetID="1" presetClass="mediacall" presetSubtype="0" fill="hold" nodeType="clickEffect">
-                                  <p:stCondLst>
-                                    <p:cond delay="0"/>
-                                  </p:stCondLst>
-                                  <p:childTnLst>
-                                    <p:cmd type="call" cmd="playFrom(0.0)">
-                                      <p:cBhvr>
-                                        <p:cTn id="6" dur="30848" fill="hold"/>
-                                        <p:tgtEl>
-                                          <p:spTgt spid="2"/>
-                                        </p:tgtEl>
-                                      </p:cBhvr>
-                                    </p:cmd>
-                                  </p:childTnLst>
-                                </p:cTn>
-                              </p:par>
-                            </p:childTnLst>
-                          </p:cTn>
-                        </p:par>
-                      </p:childTnLst>
-                    </p:cTn>
-                  </p:par>
-                </p:childTnLst>
-              </p:cTn>
-              <p:prevCondLst>
-                <p:cond evt="onPrev" delay="0">
-                  <p:tgtEl>
-                    <p:sldTgt/>
-                  </p:tgtEl>
-                </p:cond>
-              </p:prevCondLst>
-              <p:nextCondLst>
-                <p:cond evt="onNext" delay="0">
-                  <p:tgtEl>
-                    <p:sldTgt/>
-                  </p:tgtEl>
-                </p:cond>
-              </p:nextCondLst>
-            </p:seq>
-            <p:audio>
-              <p:cMediaNode vol="80000">
-                <p:cTn id="7" fill="hold" display="0">
-                  <p:stCondLst>
-                    <p:cond delay="indefinite"/>
-                  </p:stCondLst>
-                  <p:endCondLst>
-                    <p:cond evt="onStopAudio" delay="0">
-                      <p:tgtEl>
-                        <p:sldTgt/>
-                      </p:tgtEl>
-                    </p:cond>
-                  </p:endCondLst>
-                </p:cTn>
-                <p:tgtEl>
-                  <p:spTgt spid="2"/>
-                </p:tgtEl>
-              </p:cMediaNode>
-            </p:audio>
-          </p:childTnLst>
-        </p:cTn>
-      </p:par>
-    </p:tnLst>
-  </p:timing>
 </p:sld>
 </file>
 
@@ -12483,44 +11507,6 @@
           </a:p>
         </p:txBody>
       </p:sp>
-      <p:pic>
-        <p:nvPicPr>
-          <p:cNvPr id="2" name="Audio Recording 12 Jan 2021 at 14:15:47" descr="Audio Recording 12 Jan 2021 at 14:15:47">
-            <a:hlinkClick r:id="" action="ppaction://media"/>
-            <a:extLst>
-              <a:ext uri="{FF2B5EF4-FFF2-40B4-BE49-F238E27FC236}">
-                <a16:creationId xmlns:a16="http://schemas.microsoft.com/office/drawing/2014/main" id="{EB702739-8C08-6146-B417-998BF4978CDF}"/>
-              </a:ext>
-            </a:extLst>
-          </p:cNvPr>
-          <p:cNvPicPr>
-            <a:picLocks noChangeAspect="1"/>
-          </p:cNvPicPr>
-          <p:nvPr>
-            <a:audioFile r:link="rId2"/>
-            <p:extLst>
-              <p:ext uri="{DAA4B4D4-6D71-4841-9C94-3DE7FCFB9230}">
-                <p14:media xmlns:p14="http://schemas.microsoft.com/office/powerpoint/2010/main" r:embed="rId1"/>
-              </p:ext>
-            </p:extLst>
-          </p:nvPr>
-        </p:nvPicPr>
-        <p:blipFill>
-          <a:blip r:embed="rId5"/>
-          <a:stretch>
-            <a:fillRect/>
-          </a:stretch>
-        </p:blipFill>
-        <p:spPr>
-          <a:xfrm>
-            <a:off x="4633913" y="3373438"/>
-            <a:ext cx="812800" cy="812800"/>
-          </a:xfrm>
-          <a:prstGeom prst="rect">
-            <a:avLst/>
-          </a:prstGeom>
-        </p:spPr>
-      </p:pic>
     </p:spTree>
   </p:cSld>
   <p:clrMapOvr>
@@ -12529,90 +11515,6 @@
   <p:transition spd="slow">
     <p:cut/>
   </p:transition>
-  <p:timing>
-    <p:tnLst>
-      <p:par>
-        <p:cTn id="1" dur="indefinite" restart="never" nodeType="tmRoot">
-          <p:childTnLst>
-            <p:seq concurrent="1" nextAc="seek">
-              <p:cTn id="2" dur="indefinite" nodeType="mainSeq">
-                <p:childTnLst>
-                  <p:par>
-                    <p:cTn id="3" fill="hold">
-                      <p:stCondLst>
-                        <p:cond delay="indefinite"/>
-                      </p:stCondLst>
-                      <p:childTnLst>
-                        <p:par>
-                          <p:cTn id="4" fill="hold">
-                            <p:stCondLst>
-                              <p:cond delay="0"/>
-                            </p:stCondLst>
-                            <p:childTnLst>
-                              <p:par>
-                                <p:cTn id="5" presetID="1" presetClass="mediacall" presetSubtype="0" fill="hold" nodeType="clickEffect">
-                                  <p:stCondLst>
-                                    <p:cond delay="0"/>
-                                  </p:stCondLst>
-                                  <p:childTnLst>
-                                    <p:cmd type="call" cmd="playFrom(0.0)">
-                                      <p:cBhvr>
-                                        <p:cTn id="6" dur="30784" fill="hold"/>
-                                        <p:tgtEl>
-                                          <p:spTgt spid="2"/>
-                                        </p:tgtEl>
-                                      </p:cBhvr>
-                                    </p:cmd>
-                                  </p:childTnLst>
-                                </p:cTn>
-                              </p:par>
-                            </p:childTnLst>
-                          </p:cTn>
-                        </p:par>
-                      </p:childTnLst>
-                    </p:cTn>
-                  </p:par>
-                </p:childTnLst>
-              </p:cTn>
-              <p:prevCondLst>
-                <p:cond evt="onPrev" delay="0">
-                  <p:tgtEl>
-                    <p:sldTgt/>
-                  </p:tgtEl>
-                </p:cond>
-              </p:prevCondLst>
-              <p:nextCondLst>
-                <p:cond evt="onNext" delay="0">
-                  <p:tgtEl>
-                    <p:sldTgt/>
-                  </p:tgtEl>
-                </p:cond>
-              </p:nextCondLst>
-            </p:seq>
-            <p:audio>
-              <p:cMediaNode vol="80000">
-                <p:cTn id="7" fill="hold" display="0">
-                  <p:stCondLst>
-                    <p:cond delay="indefinite"/>
-                  </p:stCondLst>
-                  <p:endCondLst>
-                    <p:cond evt="onStopAudio" delay="0">
-                      <p:tgtEl>
-                        <p:sldTgt/>
-                      </p:tgtEl>
-                    </p:cond>
-                  </p:endCondLst>
-                </p:cTn>
-                <p:tgtEl>
-                  <p:spTgt spid="2"/>
-                </p:tgtEl>
-              </p:cMediaNode>
-            </p:audio>
-          </p:childTnLst>
-        </p:cTn>
-      </p:par>
-    </p:tnLst>
-  </p:timing>
 </p:sld>
 </file>
 
@@ -12756,7 +11658,7 @@
           <p:nvPr/>
         </p:nvPicPr>
         <p:blipFill>
-          <a:blip r:embed="rId5"/>
+          <a:blip r:embed="rId3"/>
           <a:stretch>
             <a:fillRect/>
           </a:stretch>
@@ -12771,44 +11673,6 @@
           </a:prstGeom>
         </p:spPr>
       </p:pic>
-      <p:pic>
-        <p:nvPicPr>
-          <p:cNvPr id="2" name="Audio Recording 12 Jan 2021 at 14:16:52" descr="Audio Recording 12 Jan 2021 at 14:16:52">
-            <a:hlinkClick r:id="" action="ppaction://media"/>
-            <a:extLst>
-              <a:ext uri="{FF2B5EF4-FFF2-40B4-BE49-F238E27FC236}">
-                <a16:creationId xmlns:a16="http://schemas.microsoft.com/office/drawing/2014/main" id="{FFCBF7E2-1964-B948-B2FB-83DC5F7CF13D}"/>
-              </a:ext>
-            </a:extLst>
-          </p:cNvPr>
-          <p:cNvPicPr>
-            <a:picLocks noChangeAspect="1"/>
-          </p:cNvPicPr>
-          <p:nvPr>
-            <a:audioFile r:link="rId2"/>
-            <p:extLst>
-              <p:ext uri="{DAA4B4D4-6D71-4841-9C94-3DE7FCFB9230}">
-                <p14:media xmlns:p14="http://schemas.microsoft.com/office/powerpoint/2010/main" r:embed="rId1"/>
-              </p:ext>
-            </p:extLst>
-          </p:nvPr>
-        </p:nvPicPr>
-        <p:blipFill>
-          <a:blip r:embed="rId6"/>
-          <a:stretch>
-            <a:fillRect/>
-          </a:stretch>
-        </p:blipFill>
-        <p:spPr>
-          <a:xfrm>
-            <a:off x="4633913" y="3373438"/>
-            <a:ext cx="812800" cy="812800"/>
-          </a:xfrm>
-          <a:prstGeom prst="rect">
-            <a:avLst/>
-          </a:prstGeom>
-        </p:spPr>
-      </p:pic>
     </p:spTree>
   </p:cSld>
   <p:clrMapOvr>
@@ -12817,90 +11681,6 @@
   <p:transition spd="slow">
     <p:cut/>
   </p:transition>
-  <p:timing>
-    <p:tnLst>
-      <p:par>
-        <p:cTn id="1" dur="indefinite" restart="never" nodeType="tmRoot">
-          <p:childTnLst>
-            <p:seq concurrent="1" nextAc="seek">
-              <p:cTn id="2" dur="indefinite" nodeType="mainSeq">
-                <p:childTnLst>
-                  <p:par>
-                    <p:cTn id="3" fill="hold">
-                      <p:stCondLst>
-                        <p:cond delay="indefinite"/>
-                      </p:stCondLst>
-                      <p:childTnLst>
-                        <p:par>
-                          <p:cTn id="4" fill="hold">
-                            <p:stCondLst>
-                              <p:cond delay="0"/>
-                            </p:stCondLst>
-                            <p:childTnLst>
-                              <p:par>
-                                <p:cTn id="5" presetID="1" presetClass="mediacall" presetSubtype="0" fill="hold" nodeType="clickEffect">
-                                  <p:stCondLst>
-                                    <p:cond delay="0"/>
-                                  </p:stCondLst>
-                                  <p:childTnLst>
-                                    <p:cmd type="call" cmd="playFrom(0.0)">
-                                      <p:cBhvr>
-                                        <p:cTn id="6" dur="53504" fill="hold"/>
-                                        <p:tgtEl>
-                                          <p:spTgt spid="2"/>
-                                        </p:tgtEl>
-                                      </p:cBhvr>
-                                    </p:cmd>
-                                  </p:childTnLst>
-                                </p:cTn>
-                              </p:par>
-                            </p:childTnLst>
-                          </p:cTn>
-                        </p:par>
-                      </p:childTnLst>
-                    </p:cTn>
-                  </p:par>
-                </p:childTnLst>
-              </p:cTn>
-              <p:prevCondLst>
-                <p:cond evt="onPrev" delay="0">
-                  <p:tgtEl>
-                    <p:sldTgt/>
-                  </p:tgtEl>
-                </p:cond>
-              </p:prevCondLst>
-              <p:nextCondLst>
-                <p:cond evt="onNext" delay="0">
-                  <p:tgtEl>
-                    <p:sldTgt/>
-                  </p:tgtEl>
-                </p:cond>
-              </p:nextCondLst>
-            </p:seq>
-            <p:audio>
-              <p:cMediaNode vol="80000">
-                <p:cTn id="7" fill="hold" display="0">
-                  <p:stCondLst>
-                    <p:cond delay="indefinite"/>
-                  </p:stCondLst>
-                  <p:endCondLst>
-                    <p:cond evt="onStopAudio" delay="0">
-                      <p:tgtEl>
-                        <p:sldTgt/>
-                      </p:tgtEl>
-                    </p:cond>
-                  </p:endCondLst>
-                </p:cTn>
-                <p:tgtEl>
-                  <p:spTgt spid="2"/>
-                </p:tgtEl>
-              </p:cMediaNode>
-            </p:audio>
-          </p:childTnLst>
-        </p:cTn>
-      </p:par>
-    </p:tnLst>
-  </p:timing>
 </p:sld>
 </file>
 
@@ -13407,44 +12187,6 @@
           </a:p>
         </p:txBody>
       </p:sp>
-      <p:pic>
-        <p:nvPicPr>
-          <p:cNvPr id="3" name="Audio Recording 12 Jan 2021 at 14:18:11" descr="Audio Recording 12 Jan 2021 at 14:18:11">
-            <a:hlinkClick r:id="" action="ppaction://media"/>
-            <a:extLst>
-              <a:ext uri="{FF2B5EF4-FFF2-40B4-BE49-F238E27FC236}">
-                <a16:creationId xmlns:a16="http://schemas.microsoft.com/office/drawing/2014/main" id="{4FA0900A-A658-0C43-9DDF-79B5033FDDE0}"/>
-              </a:ext>
-            </a:extLst>
-          </p:cNvPr>
-          <p:cNvPicPr>
-            <a:picLocks noChangeAspect="1"/>
-          </p:cNvPicPr>
-          <p:nvPr>
-            <a:audioFile r:link="rId2"/>
-            <p:extLst>
-              <p:ext uri="{DAA4B4D4-6D71-4841-9C94-3DE7FCFB9230}">
-                <p14:media xmlns:p14="http://schemas.microsoft.com/office/powerpoint/2010/main" r:embed="rId1"/>
-              </p:ext>
-            </p:extLst>
-          </p:nvPr>
-        </p:nvPicPr>
-        <p:blipFill>
-          <a:blip r:embed="rId6"/>
-          <a:stretch>
-            <a:fillRect/>
-          </a:stretch>
-        </p:blipFill>
-        <p:spPr>
-          <a:xfrm>
-            <a:off x="4633913" y="3373438"/>
-            <a:ext cx="812800" cy="812800"/>
-          </a:xfrm>
-          <a:prstGeom prst="rect">
-            <a:avLst/>
-          </a:prstGeom>
-        </p:spPr>
-      </p:pic>
     </p:spTree>
   </p:cSld>
   <p:clrMapOvr>
@@ -13453,90 +12195,6 @@
   <p:transition spd="slow">
     <p:cut/>
   </p:transition>
-  <p:timing>
-    <p:tnLst>
-      <p:par>
-        <p:cTn id="1" dur="indefinite" restart="never" nodeType="tmRoot">
-          <p:childTnLst>
-            <p:seq concurrent="1" nextAc="seek">
-              <p:cTn id="2" dur="indefinite" nodeType="mainSeq">
-                <p:childTnLst>
-                  <p:par>
-                    <p:cTn id="3" fill="hold">
-                      <p:stCondLst>
-                        <p:cond delay="indefinite"/>
-                      </p:stCondLst>
-                      <p:childTnLst>
-                        <p:par>
-                          <p:cTn id="4" fill="hold">
-                            <p:stCondLst>
-                              <p:cond delay="0"/>
-                            </p:stCondLst>
-                            <p:childTnLst>
-                              <p:par>
-                                <p:cTn id="5" presetID="1" presetClass="mediacall" presetSubtype="0" fill="hold" nodeType="clickEffect">
-                                  <p:stCondLst>
-                                    <p:cond delay="0"/>
-                                  </p:stCondLst>
-                                  <p:childTnLst>
-                                    <p:cmd type="call" cmd="playFrom(0.0)">
-                                      <p:cBhvr>
-                                        <p:cTn id="6" dur="65728" fill="hold"/>
-                                        <p:tgtEl>
-                                          <p:spTgt spid="3"/>
-                                        </p:tgtEl>
-                                      </p:cBhvr>
-                                    </p:cmd>
-                                  </p:childTnLst>
-                                </p:cTn>
-                              </p:par>
-                            </p:childTnLst>
-                          </p:cTn>
-                        </p:par>
-                      </p:childTnLst>
-                    </p:cTn>
-                  </p:par>
-                </p:childTnLst>
-              </p:cTn>
-              <p:prevCondLst>
-                <p:cond evt="onPrev" delay="0">
-                  <p:tgtEl>
-                    <p:sldTgt/>
-                  </p:tgtEl>
-                </p:cond>
-              </p:prevCondLst>
-              <p:nextCondLst>
-                <p:cond evt="onNext" delay="0">
-                  <p:tgtEl>
-                    <p:sldTgt/>
-                  </p:tgtEl>
-                </p:cond>
-              </p:nextCondLst>
-            </p:seq>
-            <p:audio>
-              <p:cMediaNode vol="80000">
-                <p:cTn id="7" fill="hold" display="0">
-                  <p:stCondLst>
-                    <p:cond delay="indefinite"/>
-                  </p:stCondLst>
-                  <p:endCondLst>
-                    <p:cond evt="onStopAudio" delay="0">
-                      <p:tgtEl>
-                        <p:sldTgt/>
-                      </p:tgtEl>
-                    </p:cond>
-                  </p:endCondLst>
-                </p:cTn>
-                <p:tgtEl>
-                  <p:spTgt spid="3"/>
-                </p:tgtEl>
-              </p:cMediaNode>
-            </p:audio>
-          </p:childTnLst>
-        </p:cTn>
-      </p:par>
-    </p:tnLst>
-  </p:timing>
 </p:sld>
 </file>
 
